--- a/Эффективная реализация сопрограмм в управляемой среде.pptx
+++ b/Эффективная реализация сопрограмм в управляемой среде.pptx
@@ -10,8 +10,9 @@
     <p:sldId id="258" r:id="rId4"/>
     <p:sldId id="259" r:id="rId5"/>
     <p:sldId id="260" r:id="rId6"/>
-    <p:sldId id="261" r:id="rId7"/>
-    <p:sldId id="262" r:id="rId8"/>
+    <p:sldId id="263" r:id="rId7"/>
+    <p:sldId id="261" r:id="rId8"/>
+    <p:sldId id="262" r:id="rId9"/>
   </p:sldIdLst>
   <p:sldSz cx="12192000" cy="6858000"/>
   <p:notesSz cx="6858000" cy="9144000"/>
@@ -110,6 +111,11 @@
       </a:defRPr>
     </a:lvl9pPr>
   </p:defaultTextStyle>
+  <p:extLst>
+    <p:ext uri="{EFAFB233-063F-42B5-8137-9DF3F51BA10A}">
+      <p15:sldGuideLst xmlns:p15="http://schemas.microsoft.com/office/powerpoint/2012/main"/>
+    </p:ext>
+  </p:extLst>
 </p:presentation>
 </file>
 
@@ -3558,7 +3564,7 @@
         </p:blipFill>
         <p:spPr>
           <a:xfrm>
-            <a:off x="2412545" y="4597853"/>
+            <a:off x="8090534" y="3657463"/>
             <a:ext cx="2187485" cy="2187485"/>
           </a:xfrm>
           <a:prstGeom prst="rect">
@@ -3660,8 +3666,8 @@
             <a:endParaRPr lang="ru-RU" sz="3600" dirty="0"/>
           </a:p>
           <a:p>
-            <a:pPr marL="742950" indent="-742950">
-              <a:buAutoNum type="arabicParenR"/>
+            <a:pPr marL="0" indent="0">
+              <a:buNone/>
             </a:pPr>
             <a:r>
               <a:rPr lang="ru-RU" sz="3600" dirty="0" smtClean="0"/>
@@ -3679,49 +3685,7 @@
               <a:rPr lang="en-US" sz="3600" dirty="0" smtClean="0"/>
               <a:t>.</a:t>
             </a:r>
-          </a:p>
-          <a:p>
-            <a:pPr marL="742950" indent="-742950">
-              <a:buAutoNum type="arabicParenR"/>
-            </a:pPr>
-            <a:r>
-              <a:rPr lang="ru-RU" sz="3600" dirty="0" smtClean="0"/>
-              <a:t>Использовать </a:t>
-            </a:r>
-            <a:r>
-              <a:rPr lang="en-US" sz="3600" dirty="0" smtClean="0"/>
-              <a:t>Java Native Interface </a:t>
-            </a:r>
-            <a:r>
-              <a:rPr lang="ru-RU" sz="3600" dirty="0" smtClean="0"/>
-              <a:t>для вызова </a:t>
-            </a:r>
-            <a:r>
-              <a:rPr lang="ru-RU" sz="3600" dirty="0" err="1" smtClean="0"/>
-              <a:t>корутин</a:t>
-            </a:r>
-            <a:r>
-              <a:rPr lang="ru-RU" sz="3600" dirty="0" smtClean="0"/>
-              <a:t> </a:t>
-            </a:r>
-            <a:r>
-              <a:rPr lang="en-US" sz="3600" dirty="0" smtClean="0"/>
-              <a:t>C++20.</a:t>
-            </a:r>
-          </a:p>
-          <a:p>
-            <a:pPr marL="742950" indent="-742950">
-              <a:buAutoNum type="arabicParenR"/>
-            </a:pPr>
-            <a:r>
-              <a:rPr lang="ru-RU" sz="3600" dirty="0" smtClean="0"/>
-              <a:t>Модификация байт-кода </a:t>
-            </a:r>
-            <a:r>
-              <a:rPr lang="en-US" sz="3600" dirty="0" smtClean="0"/>
-              <a:t>Java.</a:t>
-            </a:r>
-            <a:endParaRPr lang="ru-RU" sz="3600" dirty="0" smtClean="0"/>
+            <a:endParaRPr lang="en-US" sz="3600" dirty="0" smtClean="0"/>
           </a:p>
         </p:txBody>
       </p:sp>
@@ -3747,8 +3711,8 @@
         </p:blipFill>
         <p:spPr>
           <a:xfrm>
-            <a:off x="8200752" y="4794794"/>
-            <a:ext cx="2711087" cy="1807392"/>
+            <a:off x="7025095" y="3783580"/>
+            <a:ext cx="3634196" cy="2422798"/>
           </a:xfrm>
           <a:prstGeom prst="rect">
             <a:avLst/>
@@ -3795,155 +3759,145 @@
             <p:ph type="title"/>
           </p:nvPr>
         </p:nvSpPr>
-        <p:spPr>
-          <a:xfrm>
-            <a:off x="165464" y="365125"/>
-            <a:ext cx="11399520" cy="1325563"/>
-          </a:xfrm>
-        </p:spPr>
-        <p:txBody>
-          <a:bodyPr>
-            <a:normAutofit fontScale="90000"/>
-          </a:bodyPr>
-          <a:lstStyle/>
-          <a:p>
-            <a:pPr algn="ctr"/>
-            <a:r>
-              <a:rPr lang="ru-RU" sz="5400" dirty="0" smtClean="0"/>
-              <a:t>Цель: эффективная реализация </a:t>
-            </a:r>
-            <a:r>
-              <a:rPr lang="ru-RU" sz="5400" dirty="0" err="1" smtClean="0"/>
-              <a:t>корутин</a:t>
-            </a:r>
-            <a:r>
-              <a:rPr lang="ru-RU" sz="5400" dirty="0" smtClean="0"/>
-              <a:t> </a:t>
-            </a:r>
-            <a:r>
-              <a:rPr lang="en-US" sz="5400" dirty="0" smtClean="0"/>
-              <a:t>Java.</a:t>
-            </a:r>
-            <a:r>
-              <a:rPr lang="ru-RU" sz="5400" dirty="0" smtClean="0"/>
-              <a:t> </a:t>
-            </a:r>
-            <a:endParaRPr lang="ru-RU" sz="5400" dirty="0"/>
-          </a:p>
-        </p:txBody>
-      </p:sp>
-      <p:sp>
-        <p:nvSpPr>
-          <p:cNvPr id="3" name="Объект 2"/>
-          <p:cNvSpPr>
-            <a:spLocks noGrp="1"/>
-          </p:cNvSpPr>
-          <p:nvPr>
-            <p:ph idx="1"/>
-          </p:nvPr>
-        </p:nvSpPr>
-        <p:spPr>
-          <a:xfrm>
-            <a:off x="496389" y="1825625"/>
-            <a:ext cx="10857411" cy="4351338"/>
-          </a:xfrm>
-        </p:spPr>
+        <p:spPr/>
         <p:txBody>
           <a:bodyPr>
             <a:normAutofit/>
           </a:bodyPr>
           <a:lstStyle/>
           <a:p>
+            <a:pPr algn="ctr"/>
+            <a:r>
+              <a:rPr lang="en-US" sz="5400" dirty="0" smtClean="0"/>
+              <a:t>Loom project</a:t>
+            </a:r>
+            <a:endParaRPr lang="ru-RU" sz="5400" dirty="0"/>
+          </a:p>
+        </p:txBody>
+      </p:sp>
+      <p:sp>
+        <p:nvSpPr>
+          <p:cNvPr id="3" name="Объект 2"/>
+          <p:cNvSpPr>
+            <a:spLocks noGrp="1"/>
+          </p:cNvSpPr>
+          <p:nvPr>
+            <p:ph idx="1"/>
+          </p:nvPr>
+        </p:nvSpPr>
+        <p:spPr>
+          <a:xfrm>
+            <a:off x="838200" y="2285999"/>
+            <a:ext cx="10515600" cy="4254138"/>
+          </a:xfrm>
+        </p:spPr>
+        <p:txBody>
+          <a:bodyPr>
+            <a:normAutofit/>
+          </a:bodyPr>
+          <a:lstStyle/>
+          <a:p>
             <a:pPr marL="0" indent="0">
               <a:buNone/>
             </a:pPr>
             <a:r>
-              <a:rPr lang="ru-RU" sz="3600" dirty="0" smtClean="0"/>
-              <a:t>Работа будет проводиться на базе </a:t>
-            </a:r>
-            <a:r>
-              <a:rPr lang="en-US" sz="3600" dirty="0" smtClean="0"/>
-              <a:t>AOT </a:t>
-            </a:r>
-            <a:r>
-              <a:rPr lang="ru-RU" sz="3600" dirty="0" smtClean="0"/>
-              <a:t>компилятора </a:t>
-            </a:r>
-            <a:r>
-              <a:rPr lang="en-US" sz="3600" dirty="0" smtClean="0"/>
-              <a:t>Excelsior Jet.</a:t>
-            </a:r>
-          </a:p>
-          <a:p>
-            <a:pPr marL="0" indent="0" algn="ctr">
+              <a:rPr lang="ru-RU" sz="4000" dirty="0" err="1"/>
+              <a:t>Project</a:t>
+            </a:r>
+            <a:r>
+              <a:rPr lang="ru-RU" sz="4000" dirty="0"/>
+              <a:t> </a:t>
+            </a:r>
+            <a:r>
+              <a:rPr lang="ru-RU" sz="4000" dirty="0" err="1"/>
+              <a:t>Loom</a:t>
+            </a:r>
+            <a:r>
+              <a:rPr lang="ru-RU" sz="4000" dirty="0"/>
+              <a:t> </a:t>
+            </a:r>
+            <a:r>
+              <a:rPr lang="en-US" sz="4000" dirty="0" smtClean="0"/>
+              <a:t>– </a:t>
+            </a:r>
+            <a:r>
+              <a:rPr lang="ru-RU" sz="4000" dirty="0" smtClean="0"/>
+              <a:t>исследовательский проект, целью которого является разработка новых возможностей </a:t>
+            </a:r>
+            <a:r>
+              <a:rPr lang="en-US" sz="4000" dirty="0" smtClean="0"/>
+              <a:t> Java VM</a:t>
+            </a:r>
+            <a:r>
+              <a:rPr lang="ru-RU" sz="4000" dirty="0" smtClean="0"/>
+              <a:t>, связанных с многопоточным программированием. </a:t>
+            </a:r>
+          </a:p>
+          <a:p>
+            <a:pPr marL="0" indent="0">
               <a:buNone/>
             </a:pPr>
             <a:r>
-              <a:rPr lang="ru-RU" sz="3600" dirty="0" smtClean="0"/>
-              <a:t>Задачи:</a:t>
-            </a:r>
-          </a:p>
-          <a:p>
-            <a:pPr marL="742950" indent="-742950">
-              <a:buAutoNum type="arabicParenR"/>
-            </a:pPr>
-            <a:r>
-              <a:rPr lang="ru-RU" sz="3600" dirty="0" smtClean="0"/>
-              <a:t>Понять, как реализованы </a:t>
-            </a:r>
-            <a:r>
-              <a:rPr lang="ru-RU" sz="3600" dirty="0" err="1" smtClean="0"/>
-              <a:t>корутины</a:t>
-            </a:r>
-            <a:r>
-              <a:rPr lang="ru-RU" sz="3600" dirty="0" smtClean="0"/>
-              <a:t> в управляемых средах </a:t>
-            </a:r>
-            <a:r>
-              <a:rPr lang="en-US" sz="3600" dirty="0" err="1" smtClean="0"/>
-              <a:t>Kotlin</a:t>
-            </a:r>
-            <a:r>
-              <a:rPr lang="en-US" sz="3600" dirty="0"/>
+              <a:rPr lang="en-US" sz="4000" dirty="0"/>
+              <a:t>	</a:t>
+            </a:r>
+            <a:r>
+              <a:rPr lang="ru-RU" sz="4000" dirty="0" smtClean="0"/>
+              <a:t>Одной из задач проекта является разработка сопрограмм</a:t>
+            </a:r>
+            <a:r>
+              <a:rPr lang="en-US" sz="4000" dirty="0" smtClean="0"/>
               <a:t> </a:t>
             </a:r>
             <a:r>
-              <a:rPr lang="ru-RU" sz="3600" dirty="0" smtClean="0"/>
-              <a:t>и </a:t>
-            </a:r>
-            <a:r>
-              <a:rPr lang="en-US" sz="3600" dirty="0" err="1" smtClean="0"/>
-              <a:t>Goland</a:t>
-            </a:r>
-            <a:r>
-              <a:rPr lang="en-US" sz="3600" dirty="0" smtClean="0"/>
-              <a:t>.</a:t>
-            </a:r>
-          </a:p>
-          <a:p>
-            <a:pPr marL="742950" indent="-742950">
-              <a:buAutoNum type="arabicParenR"/>
-            </a:pPr>
-            <a:r>
-              <a:rPr lang="ru-RU" sz="3600" dirty="0" smtClean="0"/>
-              <a:t>Создать метрики сравнения реализаций </a:t>
-            </a:r>
-            <a:r>
-              <a:rPr lang="ru-RU" sz="3600" dirty="0" err="1" smtClean="0"/>
-              <a:t>корутин</a:t>
-            </a:r>
-            <a:r>
-              <a:rPr lang="ru-RU" sz="3600" dirty="0" smtClean="0"/>
-              <a:t> для этих двух языков.</a:t>
-            </a:r>
-            <a:endParaRPr lang="ru-RU" sz="3600" dirty="0"/>
-          </a:p>
-        </p:txBody>
-      </p:sp>
+              <a:rPr lang="ru-RU" sz="4000" dirty="0" smtClean="0"/>
+              <a:t>для языка </a:t>
+            </a:r>
+            <a:r>
+              <a:rPr lang="en-US" sz="4000" dirty="0" smtClean="0"/>
+              <a:t>Java</a:t>
+            </a:r>
+            <a:r>
+              <a:rPr lang="ru-RU" sz="4000" dirty="0" smtClean="0"/>
+              <a:t>. </a:t>
+            </a:r>
+          </a:p>
+        </p:txBody>
+      </p:sp>
+      <p:pic>
+        <p:nvPicPr>
+          <p:cNvPr id="4" name="Рисунок 3"/>
+          <p:cNvPicPr>
+            <a:picLocks noChangeAspect="1"/>
+          </p:cNvPicPr>
+          <p:nvPr/>
+        </p:nvPicPr>
+        <p:blipFill>
+          <a:blip r:embed="rId2">
+            <a:extLst>
+              <a:ext uri="{28A0092B-C50C-407E-A947-70E740481C1C}">
+                <a14:useLocalDpi xmlns:a14="http://schemas.microsoft.com/office/drawing/2010/main" val="0"/>
+              </a:ext>
+            </a:extLst>
+          </a:blip>
+          <a:stretch>
+            <a:fillRect/>
+          </a:stretch>
+        </p:blipFill>
+        <p:spPr>
+          <a:xfrm>
+            <a:off x="838200" y="0"/>
+            <a:ext cx="10239103" cy="2286000"/>
+          </a:xfrm>
+          <a:prstGeom prst="rect">
+            <a:avLst/>
+          </a:prstGeom>
+        </p:spPr>
+      </p:pic>
     </p:spTree>
     <p:extLst>
       <p:ext uri="{BB962C8B-B14F-4D97-AF65-F5344CB8AC3E}">
-        <p14:creationId xmlns:p14="http://schemas.microsoft.com/office/powerpoint/2010/main" val="2156559695"/>
+        <p14:creationId xmlns:p14="http://schemas.microsoft.com/office/powerpoint/2010/main" val="3187234479"/>
       </p:ext>
     </p:extLst>
   </p:cSld>
@@ -3980,17 +3934,230 @@
             <p:ph type="title"/>
           </p:nvPr>
         </p:nvSpPr>
+        <p:spPr>
+          <a:xfrm>
+            <a:off x="165464" y="365125"/>
+            <a:ext cx="11399520" cy="1325563"/>
+          </a:xfrm>
+        </p:spPr>
+        <p:txBody>
+          <a:bodyPr>
+            <a:normAutofit fontScale="90000"/>
+          </a:bodyPr>
+          <a:lstStyle/>
+          <a:p>
+            <a:pPr algn="ctr"/>
+            <a:r>
+              <a:rPr lang="ru-RU" sz="5400" dirty="0" smtClean="0"/>
+              <a:t>Цель: эффективная реализация </a:t>
+            </a:r>
+            <a:r>
+              <a:rPr lang="ru-RU" sz="5400" dirty="0" err="1" smtClean="0"/>
+              <a:t>корутин</a:t>
+            </a:r>
+            <a:r>
+              <a:rPr lang="ru-RU" sz="5400" dirty="0" smtClean="0"/>
+              <a:t> </a:t>
+            </a:r>
+            <a:r>
+              <a:rPr lang="en-US" sz="5400" dirty="0" smtClean="0"/>
+              <a:t>Java.</a:t>
+            </a:r>
+            <a:r>
+              <a:rPr lang="ru-RU" sz="5400" dirty="0" smtClean="0"/>
+              <a:t> </a:t>
+            </a:r>
+            <a:endParaRPr lang="ru-RU" sz="5400" dirty="0"/>
+          </a:p>
+        </p:txBody>
+      </p:sp>
+      <p:sp>
+        <p:nvSpPr>
+          <p:cNvPr id="3" name="Объект 2"/>
+          <p:cNvSpPr>
+            <a:spLocks noGrp="1"/>
+          </p:cNvSpPr>
+          <p:nvPr>
+            <p:ph idx="1"/>
+          </p:nvPr>
+        </p:nvSpPr>
+        <p:spPr>
+          <a:xfrm>
+            <a:off x="496389" y="1825625"/>
+            <a:ext cx="10857411" cy="4351338"/>
+          </a:xfrm>
+        </p:spPr>
+        <p:txBody>
+          <a:bodyPr>
+            <a:normAutofit lnSpcReduction="10000"/>
+          </a:bodyPr>
+          <a:lstStyle/>
+          <a:p>
+            <a:pPr marL="0" indent="0">
+              <a:buNone/>
+            </a:pPr>
+            <a:r>
+              <a:rPr lang="ru-RU" sz="3600" dirty="0" smtClean="0"/>
+              <a:t>Работа будет проводиться </a:t>
+            </a:r>
+            <a:r>
+              <a:rPr lang="ru-RU" sz="3600" dirty="0" smtClean="0"/>
+              <a:t>в рамках проекта </a:t>
+            </a:r>
+            <a:r>
+              <a:rPr lang="en-US" sz="3600" dirty="0" smtClean="0"/>
+              <a:t>Excelsior Research Virtual Machine.</a:t>
+            </a:r>
+            <a:endParaRPr lang="en-US" sz="3600" dirty="0" smtClean="0"/>
+          </a:p>
+          <a:p>
+            <a:pPr marL="0" indent="0" algn="ctr">
+              <a:buNone/>
+            </a:pPr>
+            <a:r>
+              <a:rPr lang="ru-RU" sz="3600" dirty="0" smtClean="0"/>
+              <a:t>Задачи:</a:t>
+            </a:r>
+          </a:p>
+          <a:p>
+            <a:pPr marL="742950" indent="-742950">
+              <a:buAutoNum type="arabicParenR"/>
+            </a:pPr>
+            <a:r>
+              <a:rPr lang="ru-RU" sz="3600" dirty="0" smtClean="0"/>
+              <a:t>Изучить существующие </a:t>
+            </a:r>
+            <a:r>
+              <a:rPr lang="ru-RU" sz="3600" dirty="0" smtClean="0"/>
+              <a:t>реализации </a:t>
+            </a:r>
+            <a:r>
+              <a:rPr lang="ru-RU" sz="3600" dirty="0" err="1" smtClean="0"/>
+              <a:t>корутин</a:t>
+            </a:r>
+            <a:r>
+              <a:rPr lang="ru-RU" sz="3600" dirty="0" smtClean="0"/>
+              <a:t> </a:t>
+            </a:r>
+            <a:r>
+              <a:rPr lang="ru-RU" sz="3600" dirty="0" smtClean="0"/>
+              <a:t>в управляемых средах </a:t>
+            </a:r>
+            <a:r>
+              <a:rPr lang="en-US" sz="3600" dirty="0" err="1" smtClean="0"/>
+              <a:t>Kotlin</a:t>
+            </a:r>
+            <a:r>
+              <a:rPr lang="ru-RU" sz="3600" dirty="0"/>
+              <a:t>,</a:t>
+            </a:r>
+            <a:r>
+              <a:rPr lang="ru-RU" sz="3600" dirty="0" smtClean="0"/>
+              <a:t> </a:t>
+            </a:r>
+            <a:r>
+              <a:rPr lang="en-US" sz="3600" dirty="0" err="1" smtClean="0"/>
+              <a:t>Goland</a:t>
+            </a:r>
+            <a:r>
+              <a:rPr lang="ru-RU" sz="3600" dirty="0" smtClean="0"/>
+              <a:t> и </a:t>
+            </a:r>
+            <a:r>
+              <a:rPr lang="ru-RU" sz="3600" dirty="0" smtClean="0"/>
+              <a:t>проекта </a:t>
+            </a:r>
+            <a:r>
+              <a:rPr lang="en-US" sz="3600" dirty="0" smtClean="0"/>
+              <a:t>L</a:t>
+            </a:r>
+            <a:r>
+              <a:rPr lang="en-US" sz="3600" dirty="0" smtClean="0"/>
+              <a:t>oom.</a:t>
+            </a:r>
+            <a:endParaRPr lang="en-US" sz="3600" dirty="0" smtClean="0"/>
+          </a:p>
+          <a:p>
+            <a:pPr marL="742950" indent="-742950">
+              <a:buAutoNum type="arabicParenR"/>
+            </a:pPr>
+            <a:r>
+              <a:rPr lang="ru-RU" sz="3600" dirty="0" smtClean="0"/>
+              <a:t>Разработать </a:t>
+            </a:r>
+            <a:r>
+              <a:rPr lang="ru-RU" sz="3600" dirty="0" smtClean="0"/>
+              <a:t>метрики </a:t>
+            </a:r>
+            <a:r>
+              <a:rPr lang="ru-RU" sz="3600" dirty="0" smtClean="0"/>
+              <a:t>для сравнения эффективности различных реализаций </a:t>
+            </a:r>
+            <a:r>
+              <a:rPr lang="ru-RU" sz="3600" dirty="0" err="1" smtClean="0"/>
+              <a:t>корутин</a:t>
+            </a:r>
+            <a:r>
+              <a:rPr lang="ru-RU" sz="3600" dirty="0" smtClean="0"/>
+              <a:t>.</a:t>
+            </a:r>
+            <a:endParaRPr lang="ru-RU" sz="3600" dirty="0"/>
+          </a:p>
+        </p:txBody>
+      </p:sp>
+    </p:spTree>
+    <p:extLst>
+      <p:ext uri="{BB962C8B-B14F-4D97-AF65-F5344CB8AC3E}">
+        <p14:creationId xmlns:p14="http://schemas.microsoft.com/office/powerpoint/2010/main" val="2156559695"/>
+      </p:ext>
+    </p:extLst>
+  </p:cSld>
+  <p:clrMapOvr>
+    <a:masterClrMapping/>
+  </p:clrMapOvr>
+</p:sld>
+</file>
+
+<file path=ppt/slides/slide8.xml><?xml version="1.0" encoding="utf-8"?>
+<p:sld xmlns:a="http://schemas.openxmlformats.org/drawingml/2006/main" xmlns:r="http://schemas.openxmlformats.org/officeDocument/2006/relationships" xmlns:p="http://schemas.openxmlformats.org/presentationml/2006/main">
+  <p:cSld>
+    <p:spTree>
+      <p:nvGrpSpPr>
+        <p:cNvPr id="1" name=""/>
+        <p:cNvGrpSpPr/>
+        <p:nvPr/>
+      </p:nvGrpSpPr>
+      <p:grpSpPr>
+        <a:xfrm>
+          <a:off x="0" y="0"/>
+          <a:ext cx="0" cy="0"/>
+          <a:chOff x="0" y="0"/>
+          <a:chExt cx="0" cy="0"/>
+        </a:xfrm>
+      </p:grpSpPr>
+      <p:sp>
+        <p:nvSpPr>
+          <p:cNvPr id="2" name="Заголовок 1"/>
+          <p:cNvSpPr>
+            <a:spLocks noGrp="1"/>
+          </p:cNvSpPr>
+          <p:nvPr>
+            <p:ph type="title"/>
+          </p:nvPr>
+        </p:nvSpPr>
         <p:spPr/>
         <p:txBody>
-          <a:bodyPr/>
+          <a:bodyPr>
+            <a:normAutofit/>
+          </a:bodyPr>
           <a:lstStyle/>
           <a:p>
             <a:pPr algn="ctr"/>
             <a:r>
-              <a:rPr lang="ru-RU" dirty="0" smtClean="0"/>
+              <a:rPr lang="ru-RU" sz="5400" dirty="0" smtClean="0"/>
               <a:t>Задачи</a:t>
             </a:r>
-            <a:endParaRPr lang="ru-RU" dirty="0"/>
+            <a:endParaRPr lang="ru-RU" sz="5400" dirty="0"/>
           </a:p>
         </p:txBody>
       </p:sp>

--- a/Эффективная реализация сопрограмм в управляемой среде.pptx
+++ b/Эффективная реализация сопрограмм в управляемой среде.pptx
@@ -250,7 +250,7 @@
           <a:p>
             <a:fld id="{6A16B002-7648-42B4-99BE-36608A967956}" type="datetimeFigureOut">
               <a:rPr lang="ru-RU" smtClean="0"/>
-              <a:t>28.09.2020</a:t>
+              <a:t>29.09.2020</a:t>
             </a:fld>
             <a:endParaRPr lang="ru-RU"/>
           </a:p>
@@ -420,7 +420,7 @@
           <a:p>
             <a:fld id="{6A16B002-7648-42B4-99BE-36608A967956}" type="datetimeFigureOut">
               <a:rPr lang="ru-RU" smtClean="0"/>
-              <a:t>28.09.2020</a:t>
+              <a:t>29.09.2020</a:t>
             </a:fld>
             <a:endParaRPr lang="ru-RU"/>
           </a:p>
@@ -600,7 +600,7 @@
           <a:p>
             <a:fld id="{6A16B002-7648-42B4-99BE-36608A967956}" type="datetimeFigureOut">
               <a:rPr lang="ru-RU" smtClean="0"/>
-              <a:t>28.09.2020</a:t>
+              <a:t>29.09.2020</a:t>
             </a:fld>
             <a:endParaRPr lang="ru-RU"/>
           </a:p>
@@ -770,7 +770,7 @@
           <a:p>
             <a:fld id="{6A16B002-7648-42B4-99BE-36608A967956}" type="datetimeFigureOut">
               <a:rPr lang="ru-RU" smtClean="0"/>
-              <a:t>28.09.2020</a:t>
+              <a:t>29.09.2020</a:t>
             </a:fld>
             <a:endParaRPr lang="ru-RU"/>
           </a:p>
@@ -1016,7 +1016,7 @@
           <a:p>
             <a:fld id="{6A16B002-7648-42B4-99BE-36608A967956}" type="datetimeFigureOut">
               <a:rPr lang="ru-RU" smtClean="0"/>
-              <a:t>28.09.2020</a:t>
+              <a:t>29.09.2020</a:t>
             </a:fld>
             <a:endParaRPr lang="ru-RU"/>
           </a:p>
@@ -1248,7 +1248,7 @@
           <a:p>
             <a:fld id="{6A16B002-7648-42B4-99BE-36608A967956}" type="datetimeFigureOut">
               <a:rPr lang="ru-RU" smtClean="0"/>
-              <a:t>28.09.2020</a:t>
+              <a:t>29.09.2020</a:t>
             </a:fld>
             <a:endParaRPr lang="ru-RU"/>
           </a:p>
@@ -1615,7 +1615,7 @@
           <a:p>
             <a:fld id="{6A16B002-7648-42B4-99BE-36608A967956}" type="datetimeFigureOut">
               <a:rPr lang="ru-RU" smtClean="0"/>
-              <a:t>28.09.2020</a:t>
+              <a:t>29.09.2020</a:t>
             </a:fld>
             <a:endParaRPr lang="ru-RU"/>
           </a:p>
@@ -1733,7 +1733,7 @@
           <a:p>
             <a:fld id="{6A16B002-7648-42B4-99BE-36608A967956}" type="datetimeFigureOut">
               <a:rPr lang="ru-RU" smtClean="0"/>
-              <a:t>28.09.2020</a:t>
+              <a:t>29.09.2020</a:t>
             </a:fld>
             <a:endParaRPr lang="ru-RU"/>
           </a:p>
@@ -1828,7 +1828,7 @@
           <a:p>
             <a:fld id="{6A16B002-7648-42B4-99BE-36608A967956}" type="datetimeFigureOut">
               <a:rPr lang="ru-RU" smtClean="0"/>
-              <a:t>28.09.2020</a:t>
+              <a:t>29.09.2020</a:t>
             </a:fld>
             <a:endParaRPr lang="ru-RU"/>
           </a:p>
@@ -2105,7 +2105,7 @@
           <a:p>
             <a:fld id="{6A16B002-7648-42B4-99BE-36608A967956}" type="datetimeFigureOut">
               <a:rPr lang="ru-RU" smtClean="0"/>
-              <a:t>28.09.2020</a:t>
+              <a:t>29.09.2020</a:t>
             </a:fld>
             <a:endParaRPr lang="ru-RU"/>
           </a:p>
@@ -2358,7 +2358,7 @@
           <a:p>
             <a:fld id="{6A16B002-7648-42B4-99BE-36608A967956}" type="datetimeFigureOut">
               <a:rPr lang="ru-RU" smtClean="0"/>
-              <a:t>28.09.2020</a:t>
+              <a:t>29.09.2020</a:t>
             </a:fld>
             <a:endParaRPr lang="ru-RU"/>
           </a:p>
@@ -2571,7 +2571,7 @@
           <a:p>
             <a:fld id="{6A16B002-7648-42B4-99BE-36608A967956}" type="datetimeFigureOut">
               <a:rPr lang="ru-RU" smtClean="0"/>
-              <a:t>28.09.2020</a:t>
+              <a:t>29.09.2020</a:t>
             </a:fld>
             <a:endParaRPr lang="ru-RU"/>
           </a:p>
@@ -3395,11 +3395,19 @@
             </a:pPr>
             <a:r>
               <a:rPr lang="en-US" sz="4000" dirty="0" err="1" smtClean="0"/>
-              <a:t>Golang</a:t>
+              <a:t>Golan</a:t>
+            </a:r>
+            <a:r>
+              <a:rPr lang="en-US" sz="4000" dirty="0" err="1"/>
+              <a:t>d</a:t>
             </a:r>
             <a:r>
               <a:rPr lang="en-US" sz="4000" dirty="0" smtClean="0"/>
-              <a:t> (</a:t>
+              <a:t> </a:t>
+            </a:r>
+            <a:r>
+              <a:rPr lang="en-US" sz="4000" dirty="0" smtClean="0"/>
+              <a:t>(</a:t>
             </a:r>
             <a:r>
               <a:rPr lang="ru-RU" sz="4000" dirty="0" smtClean="0"/>
@@ -3685,7 +3693,6 @@
               <a:rPr lang="en-US" sz="3600" dirty="0" smtClean="0"/>
               <a:t>.</a:t>
             </a:r>
-            <a:endParaRPr lang="en-US" sz="3600" dirty="0" smtClean="0"/>
           </a:p>
         </p:txBody>
       </p:sp>
@@ -3998,17 +4005,12 @@
             </a:pPr>
             <a:r>
               <a:rPr lang="ru-RU" sz="3600" dirty="0" smtClean="0"/>
-              <a:t>Работа будет проводиться </a:t>
-            </a:r>
-            <a:r>
-              <a:rPr lang="ru-RU" sz="3600" dirty="0" smtClean="0"/>
-              <a:t>в рамках проекта </a:t>
+              <a:t>Работа будет проводиться в рамках проекта </a:t>
             </a:r>
             <a:r>
               <a:rPr lang="en-US" sz="3600" dirty="0" smtClean="0"/>
               <a:t>Excelsior Research Virtual Machine.</a:t>
             </a:r>
-            <a:endParaRPr lang="en-US" sz="3600" dirty="0" smtClean="0"/>
           </a:p>
           <a:p>
             <a:pPr marL="0" indent="0" algn="ctr">
@@ -4025,11 +4027,7 @@
             </a:pPr>
             <a:r>
               <a:rPr lang="ru-RU" sz="3600" dirty="0" smtClean="0"/>
-              <a:t>Изучить существующие </a:t>
-            </a:r>
-            <a:r>
-              <a:rPr lang="ru-RU" sz="3600" dirty="0" smtClean="0"/>
-              <a:t>реализации </a:t>
+              <a:t>Изучить существующие реализации </a:t>
             </a:r>
             <a:r>
               <a:rPr lang="ru-RU" sz="3600" dirty="0" err="1" smtClean="0"/>
@@ -4037,11 +4035,7 @@
             </a:r>
             <a:r>
               <a:rPr lang="ru-RU" sz="3600" dirty="0" smtClean="0"/>
-              <a:t> </a:t>
-            </a:r>
-            <a:r>
-              <a:rPr lang="ru-RU" sz="3600" dirty="0" smtClean="0"/>
-              <a:t>в управляемых средах </a:t>
+              <a:t> в управляемых средах </a:t>
             </a:r>
             <a:r>
               <a:rPr lang="en-US" sz="3600" dirty="0" err="1" smtClean="0"/>
@@ -4061,21 +4055,12 @@
             </a:r>
             <a:r>
               <a:rPr lang="ru-RU" sz="3600" dirty="0" smtClean="0"/>
-              <a:t> и </a:t>
-            </a:r>
-            <a:r>
-              <a:rPr lang="ru-RU" sz="3600" dirty="0" smtClean="0"/>
-              <a:t>проекта </a:t>
+              <a:t> и проекта </a:t>
             </a:r>
             <a:r>
               <a:rPr lang="en-US" sz="3600" dirty="0" smtClean="0"/>
-              <a:t>L</a:t>
-            </a:r>
-            <a:r>
-              <a:rPr lang="en-US" sz="3600" dirty="0" smtClean="0"/>
-              <a:t>oom.</a:t>
-            </a:r>
-            <a:endParaRPr lang="en-US" sz="3600" dirty="0" smtClean="0"/>
+              <a:t>Loom.</a:t>
+            </a:r>
           </a:p>
           <a:p>
             <a:pPr marL="742950" indent="-742950">
@@ -4083,15 +4068,7 @@
             </a:pPr>
             <a:r>
               <a:rPr lang="ru-RU" sz="3600" dirty="0" smtClean="0"/>
-              <a:t>Разработать </a:t>
-            </a:r>
-            <a:r>
-              <a:rPr lang="ru-RU" sz="3600" dirty="0" smtClean="0"/>
-              <a:t>метрики </a:t>
-            </a:r>
-            <a:r>
-              <a:rPr lang="ru-RU" sz="3600" dirty="0" smtClean="0"/>
-              <a:t>для сравнения эффективности различных реализаций </a:t>
+              <a:t>Разработать метрики для сравнения эффективности различных реализаций </a:t>
             </a:r>
             <a:r>
               <a:rPr lang="ru-RU" sz="3600" dirty="0" err="1" smtClean="0"/>
@@ -4207,15 +4184,23 @@
             </a:r>
             <a:r>
               <a:rPr lang="ru-RU" sz="3600" dirty="0" smtClean="0"/>
-              <a:t>в компиляторе </a:t>
+              <a:t>в </a:t>
             </a:r>
             <a:r>
               <a:rPr lang="en-US" sz="3600" dirty="0" smtClean="0"/>
-              <a:t>Excelsior Jet</a:t>
+              <a:t>Excelsior </a:t>
+            </a:r>
+            <a:r>
+              <a:rPr lang="en-US" sz="3600" dirty="0" smtClean="0"/>
+              <a:t>RVM</a:t>
             </a:r>
             <a:r>
               <a:rPr lang="ru-RU" sz="3600" dirty="0" smtClean="0"/>
-              <a:t> с учетом особенностей языка </a:t>
+              <a:t> </a:t>
+            </a:r>
+            <a:r>
+              <a:rPr lang="ru-RU" sz="3600" dirty="0" smtClean="0"/>
+              <a:t>с учетом особенностей языка </a:t>
             </a:r>
             <a:r>
               <a:rPr lang="en-US" sz="3600" dirty="0" smtClean="0"/>

--- a/Эффективная реализация сопрограмм в управляемой среде.pptx
+++ b/Эффективная реализация сопрограмм в управляемой среде.pptx
@@ -13,6 +13,9 @@
     <p:sldId id="263" r:id="rId7"/>
     <p:sldId id="261" r:id="rId8"/>
     <p:sldId id="262" r:id="rId9"/>
+    <p:sldId id="264" r:id="rId10"/>
+    <p:sldId id="266" r:id="rId11"/>
+    <p:sldId id="265" r:id="rId12"/>
   </p:sldIdLst>
   <p:sldSz cx="12192000" cy="6858000"/>
   <p:notesSz cx="6858000" cy="9144000"/>
@@ -3084,6 +3087,240 @@
 </p:sld>
 </file>
 
+<file path=ppt/slides/slide10.xml><?xml version="1.0" encoding="utf-8"?>
+<p:sld xmlns:a="http://schemas.openxmlformats.org/drawingml/2006/main" xmlns:r="http://schemas.openxmlformats.org/officeDocument/2006/relationships" xmlns:p="http://schemas.openxmlformats.org/presentationml/2006/main">
+  <p:cSld>
+    <p:spTree>
+      <p:nvGrpSpPr>
+        <p:cNvPr id="1" name=""/>
+        <p:cNvGrpSpPr/>
+        <p:nvPr/>
+      </p:nvGrpSpPr>
+      <p:grpSpPr>
+        <a:xfrm>
+          <a:off x="0" y="0"/>
+          <a:ext cx="0" cy="0"/>
+          <a:chOff x="0" y="0"/>
+          <a:chExt cx="0" cy="0"/>
+        </a:xfrm>
+      </p:grpSpPr>
+      <p:sp>
+        <p:nvSpPr>
+          <p:cNvPr id="2" name="Заголовок 1"/>
+          <p:cNvSpPr>
+            <a:spLocks noGrp="1"/>
+          </p:cNvSpPr>
+          <p:nvPr>
+            <p:ph type="title"/>
+          </p:nvPr>
+        </p:nvSpPr>
+        <p:spPr/>
+        <p:txBody>
+          <a:bodyPr/>
+          <a:lstStyle/>
+          <a:p>
+            <a:endParaRPr lang="ru-RU"/>
+          </a:p>
+        </p:txBody>
+      </p:sp>
+      <p:sp>
+        <p:nvSpPr>
+          <p:cNvPr id="3" name="Объект 2"/>
+          <p:cNvSpPr>
+            <a:spLocks noGrp="1"/>
+          </p:cNvSpPr>
+          <p:nvPr>
+            <p:ph idx="1"/>
+          </p:nvPr>
+        </p:nvSpPr>
+        <p:spPr/>
+        <p:txBody>
+          <a:bodyPr/>
+          <a:lstStyle/>
+          <a:p>
+            <a:endParaRPr lang="ru-RU"/>
+          </a:p>
+        </p:txBody>
+      </p:sp>
+    </p:spTree>
+    <p:extLst>
+      <p:ext uri="{BB962C8B-B14F-4D97-AF65-F5344CB8AC3E}">
+        <p14:creationId xmlns:p14="http://schemas.microsoft.com/office/powerpoint/2010/main" val="2920003080"/>
+      </p:ext>
+    </p:extLst>
+  </p:cSld>
+  <p:clrMapOvr>
+    <a:masterClrMapping/>
+  </p:clrMapOvr>
+</p:sld>
+</file>
+
+<file path=ppt/slides/slide11.xml><?xml version="1.0" encoding="utf-8"?>
+<p:sld xmlns:a="http://schemas.openxmlformats.org/drawingml/2006/main" xmlns:r="http://schemas.openxmlformats.org/officeDocument/2006/relationships" xmlns:p="http://schemas.openxmlformats.org/presentationml/2006/main">
+  <p:cSld>
+    <p:spTree>
+      <p:nvGrpSpPr>
+        <p:cNvPr id="1" name=""/>
+        <p:cNvGrpSpPr/>
+        <p:nvPr/>
+      </p:nvGrpSpPr>
+      <p:grpSpPr>
+        <a:xfrm>
+          <a:off x="0" y="0"/>
+          <a:ext cx="0" cy="0"/>
+          <a:chOff x="0" y="0"/>
+          <a:chExt cx="0" cy="0"/>
+        </a:xfrm>
+      </p:grpSpPr>
+      <p:sp>
+        <p:nvSpPr>
+          <p:cNvPr id="2" name="Заголовок 1"/>
+          <p:cNvSpPr>
+            <a:spLocks noGrp="1"/>
+          </p:cNvSpPr>
+          <p:nvPr>
+            <p:ph type="title"/>
+          </p:nvPr>
+        </p:nvSpPr>
+        <p:spPr/>
+        <p:txBody>
+          <a:bodyPr>
+            <a:normAutofit/>
+          </a:bodyPr>
+          <a:lstStyle/>
+          <a:p>
+            <a:pPr algn="ctr"/>
+            <a:r>
+              <a:rPr lang="ru-RU" sz="6000" dirty="0" smtClean="0"/>
+              <a:t>Отличие от «</a:t>
+            </a:r>
+            <a:r>
+              <a:rPr lang="en-US" sz="6000" dirty="0" smtClean="0"/>
+              <a:t>Project </a:t>
+            </a:r>
+            <a:r>
+              <a:rPr lang="en-US" sz="6000" dirty="0"/>
+              <a:t>L</a:t>
+            </a:r>
+            <a:r>
+              <a:rPr lang="en-US" sz="6000" dirty="0" smtClean="0"/>
+              <a:t>oom</a:t>
+            </a:r>
+            <a:r>
+              <a:rPr lang="ru-RU" sz="6000" dirty="0" smtClean="0"/>
+              <a:t>»</a:t>
+            </a:r>
+            <a:endParaRPr lang="ru-RU" sz="6000" dirty="0"/>
+          </a:p>
+        </p:txBody>
+      </p:sp>
+      <p:sp>
+        <p:nvSpPr>
+          <p:cNvPr id="3" name="Объект 2"/>
+          <p:cNvSpPr>
+            <a:spLocks noGrp="1"/>
+          </p:cNvSpPr>
+          <p:nvPr>
+            <p:ph idx="1"/>
+          </p:nvPr>
+        </p:nvSpPr>
+        <p:spPr/>
+        <p:txBody>
+          <a:bodyPr>
+            <a:normAutofit/>
+          </a:bodyPr>
+          <a:lstStyle/>
+          <a:p>
+            <a:pPr marL="0" indent="0">
+              <a:buNone/>
+            </a:pPr>
+            <a:r>
+              <a:rPr lang="ru-RU" sz="4400" dirty="0" smtClean="0"/>
+              <a:t>В требованиях: сохранить оптимизации.</a:t>
+            </a:r>
+            <a:endParaRPr lang="en-US" sz="4400" dirty="0" smtClean="0"/>
+          </a:p>
+          <a:p>
+            <a:pPr marL="0" indent="0">
+              <a:buNone/>
+            </a:pPr>
+            <a:endParaRPr lang="ru-RU" sz="4400" dirty="0" smtClean="0"/>
+          </a:p>
+          <a:p>
+            <a:pPr marL="0" indent="0" algn="ctr">
+              <a:buNone/>
+            </a:pPr>
+            <a:r>
+              <a:rPr lang="ru-RU" sz="4000" dirty="0" smtClean="0"/>
+              <a:t>В «</a:t>
+            </a:r>
+            <a:r>
+              <a:rPr lang="en-US" sz="4000" dirty="0" smtClean="0"/>
+              <a:t>Loom</a:t>
+            </a:r>
+            <a:r>
+              <a:rPr lang="ru-RU" sz="4000" dirty="0" smtClean="0"/>
+              <a:t>» не работает оптимизация «</a:t>
+            </a:r>
+            <a:r>
+              <a:rPr lang="en-US" sz="4000" dirty="0" smtClean="0"/>
+              <a:t>biased locking</a:t>
+            </a:r>
+            <a:r>
+              <a:rPr lang="ru-RU" sz="4000" dirty="0" smtClean="0"/>
+              <a:t>»</a:t>
+            </a:r>
+            <a:r>
+              <a:rPr lang="en-US" sz="4000" dirty="0"/>
+              <a:t>.</a:t>
+            </a:r>
+            <a:endParaRPr lang="ru-RU" sz="4000" dirty="0"/>
+          </a:p>
+        </p:txBody>
+      </p:sp>
+      <p:pic>
+        <p:nvPicPr>
+          <p:cNvPr id="4" name="Рисунок 3"/>
+          <p:cNvPicPr>
+            <a:picLocks noChangeAspect="1"/>
+          </p:cNvPicPr>
+          <p:nvPr/>
+        </p:nvPicPr>
+        <p:blipFill>
+          <a:blip r:embed="rId2">
+            <a:extLst>
+              <a:ext uri="{28A0092B-C50C-407E-A947-70E740481C1C}">
+                <a14:useLocalDpi xmlns:a14="http://schemas.microsoft.com/office/drawing/2010/main" val="0"/>
+              </a:ext>
+            </a:extLst>
+          </a:blip>
+          <a:stretch>
+            <a:fillRect/>
+          </a:stretch>
+        </p:blipFill>
+        <p:spPr>
+          <a:xfrm>
+            <a:off x="1975393" y="4267199"/>
+            <a:ext cx="1938506" cy="2342606"/>
+          </a:xfrm>
+          <a:prstGeom prst="rect">
+            <a:avLst/>
+          </a:prstGeom>
+        </p:spPr>
+      </p:pic>
+    </p:spTree>
+    <p:extLst>
+      <p:ext uri="{BB962C8B-B14F-4D97-AF65-F5344CB8AC3E}">
+        <p14:creationId xmlns:p14="http://schemas.microsoft.com/office/powerpoint/2010/main" val="3487577487"/>
+      </p:ext>
+    </p:extLst>
+  </p:cSld>
+  <p:clrMapOvr>
+    <a:masterClrMapping/>
+  </p:clrMapOvr>
+</p:sld>
+</file>
+
 <file path=ppt/slides/slide2.xml><?xml version="1.0" encoding="utf-8"?>
 <p:sld xmlns:a="http://schemas.openxmlformats.org/drawingml/2006/main" xmlns:r="http://schemas.openxmlformats.org/officeDocument/2006/relationships" xmlns:p="http://schemas.openxmlformats.org/presentationml/2006/main">
   <p:cSld>
@@ -3399,7 +3636,7 @@
             </a:r>
             <a:r>
               <a:rPr lang="en-US" sz="4000" dirty="0" err="1"/>
-              <a:t>d</a:t>
+              <a:t>g</a:t>
             </a:r>
             <a:r>
               <a:rPr lang="en-US" sz="4000" dirty="0" smtClean="0"/>
@@ -3996,7 +4233,7 @@
         </p:spPr>
         <p:txBody>
           <a:bodyPr>
-            <a:normAutofit lnSpcReduction="10000"/>
+            <a:normAutofit/>
           </a:bodyPr>
           <a:lstStyle/>
           <a:p>
@@ -4050,12 +4287,16 @@
               <a:t> </a:t>
             </a:r>
             <a:r>
-              <a:rPr lang="en-US" sz="3600" dirty="0" err="1" smtClean="0"/>
-              <a:t>Goland</a:t>
+              <a:rPr lang="en-US" sz="3600" dirty="0" smtClean="0"/>
+              <a:t>Go</a:t>
             </a:r>
             <a:r>
               <a:rPr lang="ru-RU" sz="3600" dirty="0" smtClean="0"/>
-              <a:t> и проекта </a:t>
+              <a:t> </a:t>
+            </a:r>
+            <a:r>
+              <a:rPr lang="ru-RU" sz="3600" dirty="0" smtClean="0"/>
+              <a:t>и проекта </a:t>
             </a:r>
             <a:r>
               <a:rPr lang="en-US" sz="3600" dirty="0" smtClean="0"/>
@@ -4134,6 +4375,10 @@
               <a:rPr lang="ru-RU" sz="5400" dirty="0" smtClean="0"/>
               <a:t>Задачи</a:t>
             </a:r>
+            <a:r>
+              <a:rPr lang="en-US" sz="5400" dirty="0" smtClean="0"/>
+              <a:t>.</a:t>
+            </a:r>
             <a:endParaRPr lang="ru-RU" sz="5400" dirty="0"/>
           </a:p>
         </p:txBody>
@@ -4188,19 +4433,11 @@
             </a:r>
             <a:r>
               <a:rPr lang="en-US" sz="3600" dirty="0" smtClean="0"/>
-              <a:t>Excelsior </a:t>
-            </a:r>
-            <a:r>
-              <a:rPr lang="en-US" sz="3600" dirty="0" smtClean="0"/>
-              <a:t>RVM</a:t>
+              <a:t>Excelsior RVM</a:t>
             </a:r>
             <a:r>
               <a:rPr lang="ru-RU" sz="3600" dirty="0" smtClean="0"/>
-              <a:t> </a:t>
-            </a:r>
-            <a:r>
-              <a:rPr lang="ru-RU" sz="3600" dirty="0" smtClean="0"/>
-              <a:t>с учетом особенностей языка </a:t>
+              <a:t> с учетом особенностей языка </a:t>
             </a:r>
             <a:r>
               <a:rPr lang="en-US" sz="3600" dirty="0" smtClean="0"/>
@@ -4262,6 +4499,99 @@
     <p:extLst>
       <p:ext uri="{BB962C8B-B14F-4D97-AF65-F5344CB8AC3E}">
         <p14:creationId xmlns:p14="http://schemas.microsoft.com/office/powerpoint/2010/main" val="1584581954"/>
+      </p:ext>
+    </p:extLst>
+  </p:cSld>
+  <p:clrMapOvr>
+    <a:masterClrMapping/>
+  </p:clrMapOvr>
+</p:sld>
+</file>
+
+<file path=ppt/slides/slide9.xml><?xml version="1.0" encoding="utf-8"?>
+<p:sld xmlns:a="http://schemas.openxmlformats.org/drawingml/2006/main" xmlns:r="http://schemas.openxmlformats.org/officeDocument/2006/relationships" xmlns:p="http://schemas.openxmlformats.org/presentationml/2006/main">
+  <p:cSld>
+    <p:spTree>
+      <p:nvGrpSpPr>
+        <p:cNvPr id="1" name=""/>
+        <p:cNvGrpSpPr/>
+        <p:nvPr/>
+      </p:nvGrpSpPr>
+      <p:grpSpPr>
+        <a:xfrm>
+          <a:off x="0" y="0"/>
+          <a:ext cx="0" cy="0"/>
+          <a:chOff x="0" y="0"/>
+          <a:chExt cx="0" cy="0"/>
+        </a:xfrm>
+      </p:grpSpPr>
+      <p:sp>
+        <p:nvSpPr>
+          <p:cNvPr id="2" name="Заголовок 1"/>
+          <p:cNvSpPr>
+            <a:spLocks noGrp="1"/>
+          </p:cNvSpPr>
+          <p:nvPr>
+            <p:ph type="title"/>
+          </p:nvPr>
+        </p:nvSpPr>
+        <p:spPr/>
+        <p:txBody>
+          <a:bodyPr>
+            <a:normAutofit fontScale="90000"/>
+          </a:bodyPr>
+          <a:lstStyle/>
+          <a:p>
+            <a:pPr algn="ctr"/>
+            <a:r>
+              <a:rPr lang="ru-RU" sz="8800" dirty="0" smtClean="0"/>
+              <a:t>Спасибо за внимание</a:t>
+            </a:r>
+            <a:r>
+              <a:rPr lang="en-US" sz="8800" dirty="0" smtClean="0"/>
+              <a:t>!</a:t>
+            </a:r>
+            <a:r>
+              <a:rPr lang="ru-RU" sz="8800" dirty="0" smtClean="0"/>
+              <a:t> </a:t>
+            </a:r>
+            <a:endParaRPr lang="ru-RU" sz="8800" dirty="0"/>
+          </a:p>
+        </p:txBody>
+      </p:sp>
+      <p:pic>
+        <p:nvPicPr>
+          <p:cNvPr id="4" name="Объект 3"/>
+          <p:cNvPicPr>
+            <a:picLocks noGrp="1" noChangeAspect="1"/>
+          </p:cNvPicPr>
+          <p:nvPr>
+            <p:ph idx="1"/>
+          </p:nvPr>
+        </p:nvPicPr>
+        <p:blipFill>
+          <a:blip r:embed="rId2">
+            <a:extLst>
+              <a:ext uri="{28A0092B-C50C-407E-A947-70E740481C1C}">
+                <a14:useLocalDpi xmlns:a14="http://schemas.microsoft.com/office/drawing/2010/main" val="0"/>
+              </a:ext>
+            </a:extLst>
+          </a:blip>
+          <a:stretch>
+            <a:fillRect/>
+          </a:stretch>
+        </p:blipFill>
+        <p:spPr>
+          <a:xfrm>
+            <a:off x="4064466" y="2034631"/>
+            <a:ext cx="3906314" cy="4351338"/>
+          </a:xfrm>
+        </p:spPr>
+      </p:pic>
+    </p:spTree>
+    <p:extLst>
+      <p:ext uri="{BB962C8B-B14F-4D97-AF65-F5344CB8AC3E}">
+        <p14:creationId xmlns:p14="http://schemas.microsoft.com/office/powerpoint/2010/main" val="3539420884"/>
       </p:ext>
     </p:extLst>
   </p:cSld>

--- a/Эффективная реализация сопрограмм в управляемой среде.pptx
+++ b/Эффективная реализация сопрограмм в управляемой среде.pptx
@@ -4,6 +4,9 @@
   <p:sldMasterIdLst>
     <p:sldMasterId id="2147483648" r:id="rId1"/>
   </p:sldMasterIdLst>
+  <p:notesMasterIdLst>
+    <p:notesMasterId r:id="rId13"/>
+  </p:notesMasterIdLst>
   <p:sldIdLst>
     <p:sldId id="256" r:id="rId2"/>
     <p:sldId id="257" r:id="rId3"/>
@@ -122,6 +125,356 @@
 </p:presentation>
 </file>
 
+<file path=ppt/notesMasters/notesMaster1.xml><?xml version="1.0" encoding="utf-8"?>
+<p:notesMaster xmlns:a="http://schemas.openxmlformats.org/drawingml/2006/main" xmlns:r="http://schemas.openxmlformats.org/officeDocument/2006/relationships" xmlns:p="http://schemas.openxmlformats.org/presentationml/2006/main">
+  <p:cSld>
+    <p:bg>
+      <p:bgRef idx="1001">
+        <a:schemeClr val="bg1"/>
+      </p:bgRef>
+    </p:bg>
+    <p:spTree>
+      <p:nvGrpSpPr>
+        <p:cNvPr id="1" name=""/>
+        <p:cNvGrpSpPr/>
+        <p:nvPr/>
+      </p:nvGrpSpPr>
+      <p:grpSpPr>
+        <a:xfrm>
+          <a:off x="0" y="0"/>
+          <a:ext cx="0" cy="0"/>
+          <a:chOff x="0" y="0"/>
+          <a:chExt cx="0" cy="0"/>
+        </a:xfrm>
+      </p:grpSpPr>
+      <p:sp>
+        <p:nvSpPr>
+          <p:cNvPr id="2" name="Верхний колонтитул 1"/>
+          <p:cNvSpPr>
+            <a:spLocks noGrp="1"/>
+          </p:cNvSpPr>
+          <p:nvPr>
+            <p:ph type="hdr" sz="quarter"/>
+          </p:nvPr>
+        </p:nvSpPr>
+        <p:spPr>
+          <a:xfrm>
+            <a:off x="0" y="0"/>
+            <a:ext cx="2971800" cy="458788"/>
+          </a:xfrm>
+          <a:prstGeom prst="rect">
+            <a:avLst/>
+          </a:prstGeom>
+        </p:spPr>
+        <p:txBody>
+          <a:bodyPr vert="horz" lIns="91440" tIns="45720" rIns="91440" bIns="45720" rtlCol="0"/>
+          <a:lstStyle>
+            <a:lvl1pPr algn="l">
+              <a:defRPr sz="1200"/>
+            </a:lvl1pPr>
+          </a:lstStyle>
+          <a:p>
+            <a:endParaRPr lang="ru-RU"/>
+          </a:p>
+        </p:txBody>
+      </p:sp>
+      <p:sp>
+        <p:nvSpPr>
+          <p:cNvPr id="3" name="Дата 2"/>
+          <p:cNvSpPr>
+            <a:spLocks noGrp="1"/>
+          </p:cNvSpPr>
+          <p:nvPr>
+            <p:ph type="dt" idx="1"/>
+          </p:nvPr>
+        </p:nvSpPr>
+        <p:spPr>
+          <a:xfrm>
+            <a:off x="3884613" y="0"/>
+            <a:ext cx="2971800" cy="458788"/>
+          </a:xfrm>
+          <a:prstGeom prst="rect">
+            <a:avLst/>
+          </a:prstGeom>
+        </p:spPr>
+        <p:txBody>
+          <a:bodyPr vert="horz" lIns="91440" tIns="45720" rIns="91440" bIns="45720" rtlCol="0"/>
+          <a:lstStyle>
+            <a:lvl1pPr algn="r">
+              <a:defRPr sz="1200"/>
+            </a:lvl1pPr>
+          </a:lstStyle>
+          <a:p>
+            <a:fld id="{C150F602-B30E-4C35-A67C-EC2D1C74E75D}" type="datetimeFigureOut">
+              <a:rPr lang="ru-RU" smtClean="0"/>
+              <a:t>30.09.2020</a:t>
+            </a:fld>
+            <a:endParaRPr lang="ru-RU"/>
+          </a:p>
+        </p:txBody>
+      </p:sp>
+      <p:sp>
+        <p:nvSpPr>
+          <p:cNvPr id="4" name="Образ слайда 3"/>
+          <p:cNvSpPr>
+            <a:spLocks noGrp="1" noRot="1" noChangeAspect="1"/>
+          </p:cNvSpPr>
+          <p:nvPr>
+            <p:ph type="sldImg" idx="2"/>
+          </p:nvPr>
+        </p:nvSpPr>
+        <p:spPr>
+          <a:xfrm>
+            <a:off x="685800" y="1143000"/>
+            <a:ext cx="5486400" cy="3086100"/>
+          </a:xfrm>
+          <a:prstGeom prst="rect">
+            <a:avLst/>
+          </a:prstGeom>
+          <a:noFill/>
+          <a:ln w="12700">
+            <a:solidFill>
+              <a:prstClr val="black"/>
+            </a:solidFill>
+          </a:ln>
+        </p:spPr>
+        <p:txBody>
+          <a:bodyPr vert="horz" lIns="91440" tIns="45720" rIns="91440" bIns="45720" rtlCol="0" anchor="ctr"/>
+          <a:lstStyle/>
+          <a:p>
+            <a:endParaRPr lang="ru-RU"/>
+          </a:p>
+        </p:txBody>
+      </p:sp>
+      <p:sp>
+        <p:nvSpPr>
+          <p:cNvPr id="5" name="Заметки 4"/>
+          <p:cNvSpPr>
+            <a:spLocks noGrp="1"/>
+          </p:cNvSpPr>
+          <p:nvPr>
+            <p:ph type="body" sz="quarter" idx="3"/>
+          </p:nvPr>
+        </p:nvSpPr>
+        <p:spPr>
+          <a:xfrm>
+            <a:off x="685800" y="4400550"/>
+            <a:ext cx="5486400" cy="3600450"/>
+          </a:xfrm>
+          <a:prstGeom prst="rect">
+            <a:avLst/>
+          </a:prstGeom>
+        </p:spPr>
+        <p:txBody>
+          <a:bodyPr vert="horz" lIns="91440" tIns="45720" rIns="91440" bIns="45720" rtlCol="0"/>
+          <a:lstStyle/>
+          <a:p>
+            <a:pPr lvl="0"/>
+            <a:r>
+              <a:rPr lang="ru-RU" smtClean="0"/>
+              <a:t>Образец текста</a:t>
+            </a:r>
+          </a:p>
+          <a:p>
+            <a:pPr lvl="1"/>
+            <a:r>
+              <a:rPr lang="ru-RU" smtClean="0"/>
+              <a:t>Второй уровень</a:t>
+            </a:r>
+          </a:p>
+          <a:p>
+            <a:pPr lvl="2"/>
+            <a:r>
+              <a:rPr lang="ru-RU" smtClean="0"/>
+              <a:t>Третий уровень</a:t>
+            </a:r>
+          </a:p>
+          <a:p>
+            <a:pPr lvl="3"/>
+            <a:r>
+              <a:rPr lang="ru-RU" smtClean="0"/>
+              <a:t>Четвертый уровень</a:t>
+            </a:r>
+          </a:p>
+          <a:p>
+            <a:pPr lvl="4"/>
+            <a:r>
+              <a:rPr lang="ru-RU" smtClean="0"/>
+              <a:t>Пятый уровень</a:t>
+            </a:r>
+            <a:endParaRPr lang="ru-RU"/>
+          </a:p>
+        </p:txBody>
+      </p:sp>
+      <p:sp>
+        <p:nvSpPr>
+          <p:cNvPr id="6" name="Нижний колонтитул 5"/>
+          <p:cNvSpPr>
+            <a:spLocks noGrp="1"/>
+          </p:cNvSpPr>
+          <p:nvPr>
+            <p:ph type="ftr" sz="quarter" idx="4"/>
+          </p:nvPr>
+        </p:nvSpPr>
+        <p:spPr>
+          <a:xfrm>
+            <a:off x="0" y="8685213"/>
+            <a:ext cx="2971800" cy="458787"/>
+          </a:xfrm>
+          <a:prstGeom prst="rect">
+            <a:avLst/>
+          </a:prstGeom>
+        </p:spPr>
+        <p:txBody>
+          <a:bodyPr vert="horz" lIns="91440" tIns="45720" rIns="91440" bIns="45720" rtlCol="0" anchor="b"/>
+          <a:lstStyle>
+            <a:lvl1pPr algn="l">
+              <a:defRPr sz="1200"/>
+            </a:lvl1pPr>
+          </a:lstStyle>
+          <a:p>
+            <a:endParaRPr lang="ru-RU"/>
+          </a:p>
+        </p:txBody>
+      </p:sp>
+      <p:sp>
+        <p:nvSpPr>
+          <p:cNvPr id="7" name="Номер слайда 6"/>
+          <p:cNvSpPr>
+            <a:spLocks noGrp="1"/>
+          </p:cNvSpPr>
+          <p:nvPr>
+            <p:ph type="sldNum" sz="quarter" idx="5"/>
+          </p:nvPr>
+        </p:nvSpPr>
+        <p:spPr>
+          <a:xfrm>
+            <a:off x="3884613" y="8685213"/>
+            <a:ext cx="2971800" cy="458787"/>
+          </a:xfrm>
+          <a:prstGeom prst="rect">
+            <a:avLst/>
+          </a:prstGeom>
+        </p:spPr>
+        <p:txBody>
+          <a:bodyPr vert="horz" lIns="91440" tIns="45720" rIns="91440" bIns="45720" rtlCol="0" anchor="b"/>
+          <a:lstStyle>
+            <a:lvl1pPr algn="r">
+              <a:defRPr sz="1200"/>
+            </a:lvl1pPr>
+          </a:lstStyle>
+          <a:p>
+            <a:fld id="{44317C8F-9701-4BF1-9A98-1527BD806816}" type="slidenum">
+              <a:rPr lang="ru-RU" smtClean="0"/>
+              <a:t>‹#›</a:t>
+            </a:fld>
+            <a:endParaRPr lang="ru-RU"/>
+          </a:p>
+        </p:txBody>
+      </p:sp>
+    </p:spTree>
+    <p:extLst>
+      <p:ext uri="{BB962C8B-B14F-4D97-AF65-F5344CB8AC3E}">
+        <p14:creationId xmlns:p14="http://schemas.microsoft.com/office/powerpoint/2010/main" val="2883972114"/>
+      </p:ext>
+    </p:extLst>
+  </p:cSld>
+  <p:clrMap bg1="lt1" tx1="dk1" bg2="lt2" tx2="dk2" accent1="accent1" accent2="accent2" accent3="accent3" accent4="accent4" accent5="accent5" accent6="accent6" hlink="hlink" folHlink="folHlink"/>
+  <p:notesStyle>
+    <a:lvl1pPr marL="0" algn="l" defTabSz="914400" rtl="0" eaLnBrk="1" latinLnBrk="0" hangingPunct="1">
+      <a:defRPr sz="1200" kern="1200">
+        <a:solidFill>
+          <a:schemeClr val="tx1"/>
+        </a:solidFill>
+        <a:latin typeface="+mn-lt"/>
+        <a:ea typeface="+mn-ea"/>
+        <a:cs typeface="+mn-cs"/>
+      </a:defRPr>
+    </a:lvl1pPr>
+    <a:lvl2pPr marL="457200" algn="l" defTabSz="914400" rtl="0" eaLnBrk="1" latinLnBrk="0" hangingPunct="1">
+      <a:defRPr sz="1200" kern="1200">
+        <a:solidFill>
+          <a:schemeClr val="tx1"/>
+        </a:solidFill>
+        <a:latin typeface="+mn-lt"/>
+        <a:ea typeface="+mn-ea"/>
+        <a:cs typeface="+mn-cs"/>
+      </a:defRPr>
+    </a:lvl2pPr>
+    <a:lvl3pPr marL="914400" algn="l" defTabSz="914400" rtl="0" eaLnBrk="1" latinLnBrk="0" hangingPunct="1">
+      <a:defRPr sz="1200" kern="1200">
+        <a:solidFill>
+          <a:schemeClr val="tx1"/>
+        </a:solidFill>
+        <a:latin typeface="+mn-lt"/>
+        <a:ea typeface="+mn-ea"/>
+        <a:cs typeface="+mn-cs"/>
+      </a:defRPr>
+    </a:lvl3pPr>
+    <a:lvl4pPr marL="1371600" algn="l" defTabSz="914400" rtl="0" eaLnBrk="1" latinLnBrk="0" hangingPunct="1">
+      <a:defRPr sz="1200" kern="1200">
+        <a:solidFill>
+          <a:schemeClr val="tx1"/>
+        </a:solidFill>
+        <a:latin typeface="+mn-lt"/>
+        <a:ea typeface="+mn-ea"/>
+        <a:cs typeface="+mn-cs"/>
+      </a:defRPr>
+    </a:lvl4pPr>
+    <a:lvl5pPr marL="1828800" algn="l" defTabSz="914400" rtl="0" eaLnBrk="1" latinLnBrk="0" hangingPunct="1">
+      <a:defRPr sz="1200" kern="1200">
+        <a:solidFill>
+          <a:schemeClr val="tx1"/>
+        </a:solidFill>
+        <a:latin typeface="+mn-lt"/>
+        <a:ea typeface="+mn-ea"/>
+        <a:cs typeface="+mn-cs"/>
+      </a:defRPr>
+    </a:lvl5pPr>
+    <a:lvl6pPr marL="2286000" algn="l" defTabSz="914400" rtl="0" eaLnBrk="1" latinLnBrk="0" hangingPunct="1">
+      <a:defRPr sz="1200" kern="1200">
+        <a:solidFill>
+          <a:schemeClr val="tx1"/>
+        </a:solidFill>
+        <a:latin typeface="+mn-lt"/>
+        <a:ea typeface="+mn-ea"/>
+        <a:cs typeface="+mn-cs"/>
+      </a:defRPr>
+    </a:lvl6pPr>
+    <a:lvl7pPr marL="2743200" algn="l" defTabSz="914400" rtl="0" eaLnBrk="1" latinLnBrk="0" hangingPunct="1">
+      <a:defRPr sz="1200" kern="1200">
+        <a:solidFill>
+          <a:schemeClr val="tx1"/>
+        </a:solidFill>
+        <a:latin typeface="+mn-lt"/>
+        <a:ea typeface="+mn-ea"/>
+        <a:cs typeface="+mn-cs"/>
+      </a:defRPr>
+    </a:lvl7pPr>
+    <a:lvl8pPr marL="3200400" algn="l" defTabSz="914400" rtl="0" eaLnBrk="1" latinLnBrk="0" hangingPunct="1">
+      <a:defRPr sz="1200" kern="1200">
+        <a:solidFill>
+          <a:schemeClr val="tx1"/>
+        </a:solidFill>
+        <a:latin typeface="+mn-lt"/>
+        <a:ea typeface="+mn-ea"/>
+        <a:cs typeface="+mn-cs"/>
+      </a:defRPr>
+    </a:lvl8pPr>
+    <a:lvl9pPr marL="3657600" algn="l" defTabSz="914400" rtl="0" eaLnBrk="1" latinLnBrk="0" hangingPunct="1">
+      <a:defRPr sz="1200" kern="1200">
+        <a:solidFill>
+          <a:schemeClr val="tx1"/>
+        </a:solidFill>
+        <a:latin typeface="+mn-lt"/>
+        <a:ea typeface="+mn-ea"/>
+        <a:cs typeface="+mn-cs"/>
+      </a:defRPr>
+    </a:lvl9pPr>
+  </p:notesStyle>
+</p:notesMaster>
+</file>
+
 <file path=ppt/slideLayouts/slideLayout1.xml><?xml version="1.0" encoding="utf-8"?>
 <p:sldLayout xmlns:a="http://schemas.openxmlformats.org/drawingml/2006/main" xmlns:r="http://schemas.openxmlformats.org/officeDocument/2006/relationships" xmlns:p="http://schemas.openxmlformats.org/presentationml/2006/main" type="title" preserve="1">
   <p:cSld name="Титульный слайд">
@@ -251,9 +604,9 @@
           <a:bodyPr/>
           <a:lstStyle/>
           <a:p>
-            <a:fld id="{6A16B002-7648-42B4-99BE-36608A967956}" type="datetimeFigureOut">
-              <a:rPr lang="ru-RU" smtClean="0"/>
-              <a:t>29.09.2020</a:t>
+            <a:fld id="{79A8E361-A801-46F9-909A-15ADD9E6A9A9}" type="datetime1">
+              <a:rPr lang="ru-RU" smtClean="0"/>
+              <a:t>30.09.2020</a:t>
             </a:fld>
             <a:endParaRPr lang="ru-RU"/>
           </a:p>
@@ -421,9 +774,9 @@
           <a:bodyPr/>
           <a:lstStyle/>
           <a:p>
-            <a:fld id="{6A16B002-7648-42B4-99BE-36608A967956}" type="datetimeFigureOut">
-              <a:rPr lang="ru-RU" smtClean="0"/>
-              <a:t>29.09.2020</a:t>
+            <a:fld id="{795CD9B7-0E86-42D5-9EA6-14D9276C429A}" type="datetime1">
+              <a:rPr lang="ru-RU" smtClean="0"/>
+              <a:t>30.09.2020</a:t>
             </a:fld>
             <a:endParaRPr lang="ru-RU"/>
           </a:p>
@@ -601,9 +954,9 @@
           <a:bodyPr/>
           <a:lstStyle/>
           <a:p>
-            <a:fld id="{6A16B002-7648-42B4-99BE-36608A967956}" type="datetimeFigureOut">
-              <a:rPr lang="ru-RU" smtClean="0"/>
-              <a:t>29.09.2020</a:t>
+            <a:fld id="{50D55A69-1185-4A70-9C41-42C75EBBE3D8}" type="datetime1">
+              <a:rPr lang="ru-RU" smtClean="0"/>
+              <a:t>30.09.2020</a:t>
             </a:fld>
             <a:endParaRPr lang="ru-RU"/>
           </a:p>
@@ -771,9 +1124,9 @@
           <a:bodyPr/>
           <a:lstStyle/>
           <a:p>
-            <a:fld id="{6A16B002-7648-42B4-99BE-36608A967956}" type="datetimeFigureOut">
-              <a:rPr lang="ru-RU" smtClean="0"/>
-              <a:t>29.09.2020</a:t>
+            <a:fld id="{7E8318A9-714D-4484-8AAE-78E02C154934}" type="datetime1">
+              <a:rPr lang="ru-RU" smtClean="0"/>
+              <a:t>30.09.2020</a:t>
             </a:fld>
             <a:endParaRPr lang="ru-RU"/>
           </a:p>
@@ -1017,9 +1370,9 @@
           <a:bodyPr/>
           <a:lstStyle/>
           <a:p>
-            <a:fld id="{6A16B002-7648-42B4-99BE-36608A967956}" type="datetimeFigureOut">
-              <a:rPr lang="ru-RU" smtClean="0"/>
-              <a:t>29.09.2020</a:t>
+            <a:fld id="{7DF41921-1CE1-42AA-8E20-A620C71CFF26}" type="datetime1">
+              <a:rPr lang="ru-RU" smtClean="0"/>
+              <a:t>30.09.2020</a:t>
             </a:fld>
             <a:endParaRPr lang="ru-RU"/>
           </a:p>
@@ -1249,9 +1602,9 @@
           <a:bodyPr/>
           <a:lstStyle/>
           <a:p>
-            <a:fld id="{6A16B002-7648-42B4-99BE-36608A967956}" type="datetimeFigureOut">
-              <a:rPr lang="ru-RU" smtClean="0"/>
-              <a:t>29.09.2020</a:t>
+            <a:fld id="{EE0F1473-400D-4128-BEDB-52B6BA8840C9}" type="datetime1">
+              <a:rPr lang="ru-RU" smtClean="0"/>
+              <a:t>30.09.2020</a:t>
             </a:fld>
             <a:endParaRPr lang="ru-RU"/>
           </a:p>
@@ -1616,9 +1969,9 @@
           <a:bodyPr/>
           <a:lstStyle/>
           <a:p>
-            <a:fld id="{6A16B002-7648-42B4-99BE-36608A967956}" type="datetimeFigureOut">
-              <a:rPr lang="ru-RU" smtClean="0"/>
-              <a:t>29.09.2020</a:t>
+            <a:fld id="{787513A2-9643-4A89-B9C8-6B91FC89D37D}" type="datetime1">
+              <a:rPr lang="ru-RU" smtClean="0"/>
+              <a:t>30.09.2020</a:t>
             </a:fld>
             <a:endParaRPr lang="ru-RU"/>
           </a:p>
@@ -1734,9 +2087,9 @@
           <a:bodyPr/>
           <a:lstStyle/>
           <a:p>
-            <a:fld id="{6A16B002-7648-42B4-99BE-36608A967956}" type="datetimeFigureOut">
-              <a:rPr lang="ru-RU" smtClean="0"/>
-              <a:t>29.09.2020</a:t>
+            <a:fld id="{3C7FEFBA-5EE3-4374-97AA-2E1D990F6206}" type="datetime1">
+              <a:rPr lang="ru-RU" smtClean="0"/>
+              <a:t>30.09.2020</a:t>
             </a:fld>
             <a:endParaRPr lang="ru-RU"/>
           </a:p>
@@ -1829,9 +2182,9 @@
           <a:bodyPr/>
           <a:lstStyle/>
           <a:p>
-            <a:fld id="{6A16B002-7648-42B4-99BE-36608A967956}" type="datetimeFigureOut">
-              <a:rPr lang="ru-RU" smtClean="0"/>
-              <a:t>29.09.2020</a:t>
+            <a:fld id="{018E62B4-9877-48C2-809E-F45FB959085C}" type="datetime1">
+              <a:rPr lang="ru-RU" smtClean="0"/>
+              <a:t>30.09.2020</a:t>
             </a:fld>
             <a:endParaRPr lang="ru-RU"/>
           </a:p>
@@ -2106,9 +2459,9 @@
           <a:bodyPr/>
           <a:lstStyle/>
           <a:p>
-            <a:fld id="{6A16B002-7648-42B4-99BE-36608A967956}" type="datetimeFigureOut">
-              <a:rPr lang="ru-RU" smtClean="0"/>
-              <a:t>29.09.2020</a:t>
+            <a:fld id="{B9A81128-AAB2-4924-8BD9-2E28113E97AC}" type="datetime1">
+              <a:rPr lang="ru-RU" smtClean="0"/>
+              <a:t>30.09.2020</a:t>
             </a:fld>
             <a:endParaRPr lang="ru-RU"/>
           </a:p>
@@ -2359,9 +2712,9 @@
           <a:bodyPr/>
           <a:lstStyle/>
           <a:p>
-            <a:fld id="{6A16B002-7648-42B4-99BE-36608A967956}" type="datetimeFigureOut">
-              <a:rPr lang="ru-RU" smtClean="0"/>
-              <a:t>29.09.2020</a:t>
+            <a:fld id="{E3802A9A-557B-4A46-A0DE-F67AC1379C9A}" type="datetime1">
+              <a:rPr lang="ru-RU" smtClean="0"/>
+              <a:t>30.09.2020</a:t>
             </a:fld>
             <a:endParaRPr lang="ru-RU"/>
           </a:p>
@@ -2572,9 +2925,9 @@
             </a:lvl1pPr>
           </a:lstStyle>
           <a:p>
-            <a:fld id="{6A16B002-7648-42B4-99BE-36608A967956}" type="datetimeFigureOut">
-              <a:rPr lang="ru-RU" smtClean="0"/>
-              <a:t>29.09.2020</a:t>
+            <a:fld id="{0912C233-0635-4ED8-B09B-6BE935421A60}" type="datetime1">
+              <a:rPr lang="ru-RU" smtClean="0"/>
+              <a:t>30.09.2020</a:t>
             </a:fld>
             <a:endParaRPr lang="ru-RU"/>
           </a:p>
@@ -2679,6 +3032,7 @@
     <p:sldLayoutId id="2147483658" r:id="rId10"/>
     <p:sldLayoutId id="2147483659" r:id="rId11"/>
   </p:sldLayoutIdLst>
+  <p:hf hdr="0" ftr="0" dt="0"/>
   <p:txStyles>
     <p:titleStyle>
       <a:lvl1pPr algn="l" defTabSz="914400" rtl="0" eaLnBrk="1" latinLnBrk="0" hangingPunct="1">
@@ -3003,7 +3357,19 @@
           <a:p>
             <a:r>
               <a:rPr lang="ru-RU" dirty="0" smtClean="0"/>
-              <a:t>Эффективная реализация сопрограмм в управляемой среде.</a:t>
+              <a:t>Эффективная реализация сопрограмм в управляемой </a:t>
+            </a:r>
+            <a:r>
+              <a:rPr lang="ru-RU" dirty="0" smtClean="0"/>
+              <a:t>среде</a:t>
+            </a:r>
+            <a:r>
+              <a:rPr lang="en-US" dirty="0" smtClean="0"/>
+              <a:t> </a:t>
+            </a:r>
+            <a:r>
+              <a:rPr lang="ru-RU" dirty="0" smtClean="0"/>
+              <a:t>исполнения.</a:t>
             </a:r>
             <a:endParaRPr lang="ru-RU" dirty="0"/>
           </a:p>
@@ -3066,14 +3432,37 @@
         </p:blipFill>
         <p:spPr>
           <a:xfrm>
-            <a:off x="472440" y="1922418"/>
-            <a:ext cx="4517572" cy="4517572"/>
+            <a:off x="472440" y="2653938"/>
+            <a:ext cx="3786051" cy="3786051"/>
           </a:xfrm>
           <a:prstGeom prst="rect">
             <a:avLst/>
           </a:prstGeom>
         </p:spPr>
       </p:pic>
+      <p:sp>
+        <p:nvSpPr>
+          <p:cNvPr id="5" name="Номер слайда 4"/>
+          <p:cNvSpPr>
+            <a:spLocks noGrp="1"/>
+          </p:cNvSpPr>
+          <p:nvPr>
+            <p:ph type="sldNum" sz="quarter" idx="12"/>
+          </p:nvPr>
+        </p:nvSpPr>
+        <p:spPr/>
+        <p:txBody>
+          <a:bodyPr/>
+          <a:lstStyle/>
+          <a:p>
+            <a:fld id="{4A9ACC53-1A76-4BE0-A2E0-D9994A63CC7D}" type="slidenum">
+              <a:rPr lang="ru-RU" smtClean="0"/>
+              <a:t>1</a:t>
+            </a:fld>
+            <a:endParaRPr lang="ru-RU"/>
+          </a:p>
+        </p:txBody>
+      </p:sp>
     </p:spTree>
     <p:extLst>
       <p:ext uri="{BB962C8B-B14F-4D97-AF65-F5344CB8AC3E}">
@@ -3142,6 +3531,29 @@
           </a:p>
         </p:txBody>
       </p:sp>
+      <p:sp>
+        <p:nvSpPr>
+          <p:cNvPr id="4" name="Номер слайда 3"/>
+          <p:cNvSpPr>
+            <a:spLocks noGrp="1"/>
+          </p:cNvSpPr>
+          <p:nvPr>
+            <p:ph type="sldNum" sz="quarter" idx="12"/>
+          </p:nvPr>
+        </p:nvSpPr>
+        <p:spPr/>
+        <p:txBody>
+          <a:bodyPr/>
+          <a:lstStyle/>
+          <a:p>
+            <a:fld id="{4A9ACC53-1A76-4BE0-A2E0-D9994A63CC7D}" type="slidenum">
+              <a:rPr lang="ru-RU" smtClean="0"/>
+              <a:t>10</a:t>
+            </a:fld>
+            <a:endParaRPr lang="ru-RU"/>
+          </a:p>
+        </p:txBody>
+      </p:sp>
     </p:spTree>
     <p:extLst>
       <p:ext uri="{BB962C8B-B14F-4D97-AF65-F5344CB8AC3E}">
@@ -3308,6 +3720,29 @@
           </a:prstGeom>
         </p:spPr>
       </p:pic>
+      <p:sp>
+        <p:nvSpPr>
+          <p:cNvPr id="5" name="Номер слайда 4"/>
+          <p:cNvSpPr>
+            <a:spLocks noGrp="1"/>
+          </p:cNvSpPr>
+          <p:nvPr>
+            <p:ph type="sldNum" sz="quarter" idx="12"/>
+          </p:nvPr>
+        </p:nvSpPr>
+        <p:spPr/>
+        <p:txBody>
+          <a:bodyPr/>
+          <a:lstStyle/>
+          <a:p>
+            <a:fld id="{4A9ACC53-1A76-4BE0-A2E0-D9994A63CC7D}" type="slidenum">
+              <a:rPr lang="ru-RU" smtClean="0"/>
+              <a:t>11</a:t>
+            </a:fld>
+            <a:endParaRPr lang="ru-RU"/>
+          </a:p>
+        </p:txBody>
+      </p:sp>
     </p:spTree>
     <p:extLst>
       <p:ext uri="{BB962C8B-B14F-4D97-AF65-F5344CB8AC3E}">
@@ -3438,6 +3873,29 @@
           </a:p>
         </p:txBody>
       </p:sp>
+      <p:sp>
+        <p:nvSpPr>
+          <p:cNvPr id="4" name="Номер слайда 3"/>
+          <p:cNvSpPr>
+            <a:spLocks noGrp="1"/>
+          </p:cNvSpPr>
+          <p:nvPr>
+            <p:ph type="sldNum" sz="quarter" idx="12"/>
+          </p:nvPr>
+        </p:nvSpPr>
+        <p:spPr/>
+        <p:txBody>
+          <a:bodyPr/>
+          <a:lstStyle/>
+          <a:p>
+            <a:fld id="{4A9ACC53-1A76-4BE0-A2E0-D9994A63CC7D}" type="slidenum">
+              <a:rPr lang="ru-RU" smtClean="0"/>
+              <a:t>2</a:t>
+            </a:fld>
+            <a:endParaRPr lang="ru-RU"/>
+          </a:p>
+        </p:txBody>
+      </p:sp>
     </p:spTree>
     <p:extLst>
       <p:ext uri="{BB962C8B-B14F-4D97-AF65-F5344CB8AC3E}">
@@ -3547,6 +4005,29 @@
           </a:p>
         </p:txBody>
       </p:sp>
+      <p:sp>
+        <p:nvSpPr>
+          <p:cNvPr id="4" name="Номер слайда 3"/>
+          <p:cNvSpPr>
+            <a:spLocks noGrp="1"/>
+          </p:cNvSpPr>
+          <p:nvPr>
+            <p:ph type="sldNum" sz="quarter" idx="12"/>
+          </p:nvPr>
+        </p:nvSpPr>
+        <p:spPr/>
+        <p:txBody>
+          <a:bodyPr/>
+          <a:lstStyle/>
+          <a:p>
+            <a:fld id="{4A9ACC53-1A76-4BE0-A2E0-D9994A63CC7D}" type="slidenum">
+              <a:rPr lang="ru-RU" smtClean="0"/>
+              <a:t>3</a:t>
+            </a:fld>
+            <a:endParaRPr lang="ru-RU"/>
+          </a:p>
+        </p:txBody>
+      </p:sp>
     </p:spTree>
     <p:extLst>
       <p:ext uri="{BB962C8B-B14F-4D97-AF65-F5344CB8AC3E}">
@@ -3640,11 +4121,7 @@
             </a:r>
             <a:r>
               <a:rPr lang="en-US" sz="4000" dirty="0" smtClean="0"/>
-              <a:t> </a:t>
-            </a:r>
-            <a:r>
-              <a:rPr lang="en-US" sz="4000" dirty="0" smtClean="0"/>
-              <a:t>(</a:t>
+              <a:t> (</a:t>
             </a:r>
             <a:r>
               <a:rPr lang="ru-RU" sz="4000" dirty="0" smtClean="0"/>
@@ -3817,6 +4294,29 @@
           </a:prstGeom>
         </p:spPr>
       </p:pic>
+      <p:sp>
+        <p:nvSpPr>
+          <p:cNvPr id="8" name="Номер слайда 7"/>
+          <p:cNvSpPr>
+            <a:spLocks noGrp="1"/>
+          </p:cNvSpPr>
+          <p:nvPr>
+            <p:ph type="sldNum" sz="quarter" idx="12"/>
+          </p:nvPr>
+        </p:nvSpPr>
+        <p:spPr/>
+        <p:txBody>
+          <a:bodyPr/>
+          <a:lstStyle/>
+          <a:p>
+            <a:fld id="{4A9ACC53-1A76-4BE0-A2E0-D9994A63CC7D}" type="slidenum">
+              <a:rPr lang="ru-RU" smtClean="0"/>
+              <a:t>4</a:t>
+            </a:fld>
+            <a:endParaRPr lang="ru-RU"/>
+          </a:p>
+        </p:txBody>
+      </p:sp>
     </p:spTree>
     <p:extLst>
       <p:ext uri="{BB962C8B-B14F-4D97-AF65-F5344CB8AC3E}">
@@ -3963,6 +4463,29 @@
           </a:prstGeom>
         </p:spPr>
       </p:pic>
+      <p:sp>
+        <p:nvSpPr>
+          <p:cNvPr id="4" name="Номер слайда 3"/>
+          <p:cNvSpPr>
+            <a:spLocks noGrp="1"/>
+          </p:cNvSpPr>
+          <p:nvPr>
+            <p:ph type="sldNum" sz="quarter" idx="12"/>
+          </p:nvPr>
+        </p:nvSpPr>
+        <p:spPr/>
+        <p:txBody>
+          <a:bodyPr/>
+          <a:lstStyle/>
+          <a:p>
+            <a:fld id="{4A9ACC53-1A76-4BE0-A2E0-D9994A63CC7D}" type="slidenum">
+              <a:rPr lang="ru-RU" smtClean="0"/>
+              <a:t>5</a:t>
+            </a:fld>
+            <a:endParaRPr lang="ru-RU"/>
+          </a:p>
+        </p:txBody>
+      </p:sp>
     </p:spTree>
     <p:extLst>
       <p:ext uri="{BB962C8B-B14F-4D97-AF65-F5344CB8AC3E}">
@@ -4138,6 +4661,29 @@
           </a:prstGeom>
         </p:spPr>
       </p:pic>
+      <p:sp>
+        <p:nvSpPr>
+          <p:cNvPr id="5" name="Номер слайда 4"/>
+          <p:cNvSpPr>
+            <a:spLocks noGrp="1"/>
+          </p:cNvSpPr>
+          <p:nvPr>
+            <p:ph type="sldNum" sz="quarter" idx="12"/>
+          </p:nvPr>
+        </p:nvSpPr>
+        <p:spPr/>
+        <p:txBody>
+          <a:bodyPr/>
+          <a:lstStyle/>
+          <a:p>
+            <a:fld id="{4A9ACC53-1A76-4BE0-A2E0-D9994A63CC7D}" type="slidenum">
+              <a:rPr lang="ru-RU" smtClean="0"/>
+              <a:t>6</a:t>
+            </a:fld>
+            <a:endParaRPr lang="ru-RU"/>
+          </a:p>
+        </p:txBody>
+      </p:sp>
     </p:spTree>
     <p:extLst>
       <p:ext uri="{BB962C8B-B14F-4D97-AF65-F5344CB8AC3E}">
@@ -4292,11 +4838,7 @@
             </a:r>
             <a:r>
               <a:rPr lang="ru-RU" sz="3600" dirty="0" smtClean="0"/>
-              <a:t> </a:t>
-            </a:r>
-            <a:r>
-              <a:rPr lang="ru-RU" sz="3600" dirty="0" smtClean="0"/>
-              <a:t>и проекта </a:t>
+              <a:t> и проекта </a:t>
             </a:r>
             <a:r>
               <a:rPr lang="en-US" sz="3600" dirty="0" smtClean="0"/>
@@ -4320,6 +4862,29 @@
               <a:t>.</a:t>
             </a:r>
             <a:endParaRPr lang="ru-RU" sz="3600" dirty="0"/>
+          </a:p>
+        </p:txBody>
+      </p:sp>
+      <p:sp>
+        <p:nvSpPr>
+          <p:cNvPr id="4" name="Номер слайда 3"/>
+          <p:cNvSpPr>
+            <a:spLocks noGrp="1"/>
+          </p:cNvSpPr>
+          <p:nvPr>
+            <p:ph type="sldNum" sz="quarter" idx="12"/>
+          </p:nvPr>
+        </p:nvSpPr>
+        <p:spPr/>
+        <p:txBody>
+          <a:bodyPr/>
+          <a:lstStyle/>
+          <a:p>
+            <a:fld id="{4A9ACC53-1A76-4BE0-A2E0-D9994A63CC7D}" type="slidenum">
+              <a:rPr lang="ru-RU" smtClean="0"/>
+              <a:t>7</a:t>
+            </a:fld>
+            <a:endParaRPr lang="ru-RU"/>
           </a:p>
         </p:txBody>
       </p:sp>
@@ -4495,6 +5060,29 @@
           </a:prstGeom>
         </p:spPr>
       </p:pic>
+      <p:sp>
+        <p:nvSpPr>
+          <p:cNvPr id="5" name="Номер слайда 4"/>
+          <p:cNvSpPr>
+            <a:spLocks noGrp="1"/>
+          </p:cNvSpPr>
+          <p:nvPr>
+            <p:ph type="sldNum" sz="quarter" idx="12"/>
+          </p:nvPr>
+        </p:nvSpPr>
+        <p:spPr/>
+        <p:txBody>
+          <a:bodyPr/>
+          <a:lstStyle/>
+          <a:p>
+            <a:fld id="{4A9ACC53-1A76-4BE0-A2E0-D9994A63CC7D}" type="slidenum">
+              <a:rPr lang="ru-RU" smtClean="0"/>
+              <a:t>8</a:t>
+            </a:fld>
+            <a:endParaRPr lang="ru-RU"/>
+          </a:p>
+        </p:txBody>
+      </p:sp>
     </p:spTree>
     <p:extLst>
       <p:ext uri="{BB962C8B-B14F-4D97-AF65-F5344CB8AC3E}">
@@ -4588,6 +5176,29 @@
           </a:xfrm>
         </p:spPr>
       </p:pic>
+      <p:sp>
+        <p:nvSpPr>
+          <p:cNvPr id="3" name="Номер слайда 2"/>
+          <p:cNvSpPr>
+            <a:spLocks noGrp="1"/>
+          </p:cNvSpPr>
+          <p:nvPr>
+            <p:ph type="sldNum" sz="quarter" idx="12"/>
+          </p:nvPr>
+        </p:nvSpPr>
+        <p:spPr/>
+        <p:txBody>
+          <a:bodyPr/>
+          <a:lstStyle/>
+          <a:p>
+            <a:fld id="{4A9ACC53-1A76-4BE0-A2E0-D9994A63CC7D}" type="slidenum">
+              <a:rPr lang="ru-RU" smtClean="0"/>
+              <a:t>9</a:t>
+            </a:fld>
+            <a:endParaRPr lang="ru-RU"/>
+          </a:p>
+        </p:txBody>
+      </p:sp>
     </p:spTree>
     <p:extLst>
       <p:ext uri="{BB962C8B-B14F-4D97-AF65-F5344CB8AC3E}">
@@ -4860,4 +5471,265 @@
     </a:ext>
   </a:extLst>
 </a:theme>
+</file>
+
+<file path=ppt/theme/theme2.xml><?xml version="1.0" encoding="utf-8"?>
+<a:theme xmlns:a="http://schemas.openxmlformats.org/drawingml/2006/main" name="Тема Office">
+  <a:themeElements>
+    <a:clrScheme name="Стандартная">
+      <a:dk1>
+        <a:sysClr val="windowText" lastClr="000000"/>
+      </a:dk1>
+      <a:lt1>
+        <a:sysClr val="window" lastClr="FFFFFF"/>
+      </a:lt1>
+      <a:dk2>
+        <a:srgbClr val="44546A"/>
+      </a:dk2>
+      <a:lt2>
+        <a:srgbClr val="E7E6E6"/>
+      </a:lt2>
+      <a:accent1>
+        <a:srgbClr val="5B9BD5"/>
+      </a:accent1>
+      <a:accent2>
+        <a:srgbClr val="ED7D31"/>
+      </a:accent2>
+      <a:accent3>
+        <a:srgbClr val="A5A5A5"/>
+      </a:accent3>
+      <a:accent4>
+        <a:srgbClr val="FFC000"/>
+      </a:accent4>
+      <a:accent5>
+        <a:srgbClr val="4472C4"/>
+      </a:accent5>
+      <a:accent6>
+        <a:srgbClr val="70AD47"/>
+      </a:accent6>
+      <a:hlink>
+        <a:srgbClr val="0563C1"/>
+      </a:hlink>
+      <a:folHlink>
+        <a:srgbClr val="954F72"/>
+      </a:folHlink>
+    </a:clrScheme>
+    <a:fontScheme name="Стандартная">
+      <a:majorFont>
+        <a:latin typeface="Calibri Light" panose="020F0302020204030204"/>
+        <a:ea typeface=""/>
+        <a:cs typeface=""/>
+        <a:font script="Jpan" typeface="游ゴシック Light"/>
+        <a:font script="Hang" typeface="맑은 고딕"/>
+        <a:font script="Hans" typeface="等线 Light"/>
+        <a:font script="Hant" typeface="新細明體"/>
+        <a:font script="Arab" typeface="Times New Roman"/>
+        <a:font script="Hebr" typeface="Times New Roman"/>
+        <a:font script="Thai" typeface="Angsana New"/>
+        <a:font script="Ethi" typeface="Nyala"/>
+        <a:font script="Beng" typeface="Vrinda"/>
+        <a:font script="Gujr" typeface="Shruti"/>
+        <a:font script="Khmr" typeface="MoolBoran"/>
+        <a:font script="Knda" typeface="Tunga"/>
+        <a:font script="Guru" typeface="Raavi"/>
+        <a:font script="Cans" typeface="Euphemia"/>
+        <a:font script="Cher" typeface="Plantagenet Cherokee"/>
+        <a:font script="Yiii" typeface="Microsoft Yi Baiti"/>
+        <a:font script="Tibt" typeface="Microsoft Himalaya"/>
+        <a:font script="Thaa" typeface="MV Boli"/>
+        <a:font script="Deva" typeface="Mangal"/>
+        <a:font script="Telu" typeface="Gautami"/>
+        <a:font script="Taml" typeface="Latha"/>
+        <a:font script="Syrc" typeface="Estrangelo Edessa"/>
+        <a:font script="Orya" typeface="Kalinga"/>
+        <a:font script="Mlym" typeface="Kartika"/>
+        <a:font script="Laoo" typeface="DokChampa"/>
+        <a:font script="Sinh" typeface="Iskoola Pota"/>
+        <a:font script="Mong" typeface="Mongolian Baiti"/>
+        <a:font script="Viet" typeface="Times New Roman"/>
+        <a:font script="Uigh" typeface="Microsoft Uighur"/>
+        <a:font script="Geor" typeface="Sylfaen"/>
+      </a:majorFont>
+      <a:minorFont>
+        <a:latin typeface="Calibri" panose="020F0502020204030204"/>
+        <a:ea typeface=""/>
+        <a:cs typeface=""/>
+        <a:font script="Jpan" typeface="游ゴシック"/>
+        <a:font script="Hang" typeface="맑은 고딕"/>
+        <a:font script="Hans" typeface="等线"/>
+        <a:font script="Hant" typeface="新細明體"/>
+        <a:font script="Arab" typeface="Arial"/>
+        <a:font script="Hebr" typeface="Arial"/>
+        <a:font script="Thai" typeface="Cordia New"/>
+        <a:font script="Ethi" typeface="Nyala"/>
+        <a:font script="Beng" typeface="Vrinda"/>
+        <a:font script="Gujr" typeface="Shruti"/>
+        <a:font script="Khmr" typeface="DaunPenh"/>
+        <a:font script="Knda" typeface="Tunga"/>
+        <a:font script="Guru" typeface="Raavi"/>
+        <a:font script="Cans" typeface="Euphemia"/>
+        <a:font script="Cher" typeface="Plantagenet Cherokee"/>
+        <a:font script="Yiii" typeface="Microsoft Yi Baiti"/>
+        <a:font script="Tibt" typeface="Microsoft Himalaya"/>
+        <a:font script="Thaa" typeface="MV Boli"/>
+        <a:font script="Deva" typeface="Mangal"/>
+        <a:font script="Telu" typeface="Gautami"/>
+        <a:font script="Taml" typeface="Latha"/>
+        <a:font script="Syrc" typeface="Estrangelo Edessa"/>
+        <a:font script="Orya" typeface="Kalinga"/>
+        <a:font script="Mlym" typeface="Kartika"/>
+        <a:font script="Laoo" typeface="DokChampa"/>
+        <a:font script="Sinh" typeface="Iskoola Pota"/>
+        <a:font script="Mong" typeface="Mongolian Baiti"/>
+        <a:font script="Viet" typeface="Arial"/>
+        <a:font script="Uigh" typeface="Microsoft Uighur"/>
+        <a:font script="Geor" typeface="Sylfaen"/>
+      </a:minorFont>
+    </a:fontScheme>
+    <a:fmtScheme name="Стандартная">
+      <a:fillStyleLst>
+        <a:solidFill>
+          <a:schemeClr val="phClr"/>
+        </a:solidFill>
+        <a:gradFill rotWithShape="1">
+          <a:gsLst>
+            <a:gs pos="0">
+              <a:schemeClr val="phClr">
+                <a:lumMod val="110000"/>
+                <a:satMod val="105000"/>
+                <a:tint val="67000"/>
+              </a:schemeClr>
+            </a:gs>
+            <a:gs pos="50000">
+              <a:schemeClr val="phClr">
+                <a:lumMod val="105000"/>
+                <a:satMod val="103000"/>
+                <a:tint val="73000"/>
+              </a:schemeClr>
+            </a:gs>
+            <a:gs pos="100000">
+              <a:schemeClr val="phClr">
+                <a:lumMod val="105000"/>
+                <a:satMod val="109000"/>
+                <a:tint val="81000"/>
+              </a:schemeClr>
+            </a:gs>
+          </a:gsLst>
+          <a:lin ang="5400000" scaled="0"/>
+        </a:gradFill>
+        <a:gradFill rotWithShape="1">
+          <a:gsLst>
+            <a:gs pos="0">
+              <a:schemeClr val="phClr">
+                <a:satMod val="103000"/>
+                <a:lumMod val="102000"/>
+                <a:tint val="94000"/>
+              </a:schemeClr>
+            </a:gs>
+            <a:gs pos="50000">
+              <a:schemeClr val="phClr">
+                <a:satMod val="110000"/>
+                <a:lumMod val="100000"/>
+                <a:shade val="100000"/>
+              </a:schemeClr>
+            </a:gs>
+            <a:gs pos="100000">
+              <a:schemeClr val="phClr">
+                <a:lumMod val="99000"/>
+                <a:satMod val="120000"/>
+                <a:shade val="78000"/>
+              </a:schemeClr>
+            </a:gs>
+          </a:gsLst>
+          <a:lin ang="5400000" scaled="0"/>
+        </a:gradFill>
+      </a:fillStyleLst>
+      <a:lnStyleLst>
+        <a:ln w="6350" cap="flat" cmpd="sng" algn="ctr">
+          <a:solidFill>
+            <a:schemeClr val="phClr"/>
+          </a:solidFill>
+          <a:prstDash val="solid"/>
+          <a:miter lim="800000"/>
+        </a:ln>
+        <a:ln w="12700" cap="flat" cmpd="sng" algn="ctr">
+          <a:solidFill>
+            <a:schemeClr val="phClr"/>
+          </a:solidFill>
+          <a:prstDash val="solid"/>
+          <a:miter lim="800000"/>
+        </a:ln>
+        <a:ln w="19050" cap="flat" cmpd="sng" algn="ctr">
+          <a:solidFill>
+            <a:schemeClr val="phClr"/>
+          </a:solidFill>
+          <a:prstDash val="solid"/>
+          <a:miter lim="800000"/>
+        </a:ln>
+      </a:lnStyleLst>
+      <a:effectStyleLst>
+        <a:effectStyle>
+          <a:effectLst/>
+        </a:effectStyle>
+        <a:effectStyle>
+          <a:effectLst/>
+        </a:effectStyle>
+        <a:effectStyle>
+          <a:effectLst>
+            <a:outerShdw blurRad="57150" dist="19050" dir="5400000" algn="ctr" rotWithShape="0">
+              <a:srgbClr val="000000">
+                <a:alpha val="63000"/>
+              </a:srgbClr>
+            </a:outerShdw>
+          </a:effectLst>
+        </a:effectStyle>
+      </a:effectStyleLst>
+      <a:bgFillStyleLst>
+        <a:solidFill>
+          <a:schemeClr val="phClr"/>
+        </a:solidFill>
+        <a:solidFill>
+          <a:schemeClr val="phClr">
+            <a:tint val="95000"/>
+            <a:satMod val="170000"/>
+          </a:schemeClr>
+        </a:solidFill>
+        <a:gradFill rotWithShape="1">
+          <a:gsLst>
+            <a:gs pos="0">
+              <a:schemeClr val="phClr">
+                <a:tint val="93000"/>
+                <a:satMod val="150000"/>
+                <a:shade val="98000"/>
+                <a:lumMod val="102000"/>
+              </a:schemeClr>
+            </a:gs>
+            <a:gs pos="50000">
+              <a:schemeClr val="phClr">
+                <a:tint val="98000"/>
+                <a:satMod val="130000"/>
+                <a:shade val="90000"/>
+                <a:lumMod val="103000"/>
+              </a:schemeClr>
+            </a:gs>
+            <a:gs pos="100000">
+              <a:schemeClr val="phClr">
+                <a:shade val="63000"/>
+                <a:satMod val="120000"/>
+              </a:schemeClr>
+            </a:gs>
+          </a:gsLst>
+          <a:lin ang="5400000" scaled="0"/>
+        </a:gradFill>
+      </a:bgFillStyleLst>
+    </a:fmtScheme>
+  </a:themeElements>
+  <a:objectDefaults/>
+  <a:extraClrSchemeLst/>
+  <a:extLst>
+    <a:ext uri="{05A4C25C-085E-4340-85A3-A5531E510DB2}">
+      <thm15:themeFamily xmlns:thm15="http://schemas.microsoft.com/office/thememl/2012/main" name="Office Theme" id="{62F939B6-93AF-4DB8-9C6B-D6C7DFDC589F}" vid="{4A3C46E8-61CC-4603-A589-7422A47A8E4A}"/>
+    </a:ext>
+  </a:extLst>
+</a:theme>
 </file>